--- a/W1_16S_analysis.pptx
+++ b/W1_16S_analysis.pptx
@@ -4759,7 +4759,7 @@
             <a:fld id="{4FF64A0F-39A5-4AD4-AFFF-35407015BDC3}" type="datetimeFigureOut">
               <a:rPr lang="en-US" smtClean="0"/>
               <a:pPr/>
-              <a:t>2/16/2018</a:t>
+              <a:t>3/9/2018</a:t>
             </a:fld>
             <a:endParaRPr lang="en-US"/>
           </a:p>
@@ -14280,7 +14280,7 @@
           <a:p>
             <a:r>
               <a:rPr lang="en-AU" sz="2400" dirty="0"/>
-              <a:t>Useful when comparing very different environments with not many common species.</a:t>
+              <a:t>Useful when comparing very different environments with few common species.</a:t>
             </a:r>
           </a:p>
         </p:txBody>
@@ -50994,8 +50994,8 @@
         </p:nvSpPr>
         <p:spPr>
           <a:xfrm>
-            <a:off x="914400" y="3957935"/>
-            <a:ext cx="7315200" cy="461665"/>
+            <a:off x="152400" y="3957935"/>
+            <a:ext cx="8991600" cy="461665"/>
           </a:xfrm>
           <a:prstGeom prst="rect">
             <a:avLst/>
@@ -51010,7 +51010,7 @@
             <a:pPr algn="ctr"/>
             <a:r>
               <a:rPr lang="en-AU" sz="2400" b="1" dirty="0"/>
-              <a:t>https://github.com/carden24/MIC506-Workshop</a:t>
+              <a:t>https://github.com/carden24/2018_Taller_Genomica_ambiental</a:t>
             </a:r>
           </a:p>
         </p:txBody>
@@ -51514,7 +51514,7 @@
           <a:p>
             <a:r>
               <a:rPr lang="en-US" dirty="0" err="1"/>
-              <a:t>Objetivos</a:t>
+              <a:t>Objetives</a:t>
             </a:r>
             <a:endParaRPr lang="en-US" dirty="0"/>
           </a:p>
@@ -51532,8 +51532,8 @@
         </p:nvSpPr>
         <p:spPr>
           <a:xfrm>
-            <a:off x="685800" y="1219200"/>
-            <a:ext cx="7620000" cy="4537233"/>
+            <a:off x="685800" y="3200400"/>
+            <a:ext cx="7620000" cy="2556033"/>
           </a:xfrm>
         </p:spPr>
         <p:txBody>
@@ -51573,83 +51573,7 @@
             </a:r>
             <a:r>
               <a:rPr lang="en-US" sz="2300" dirty="0"/>
-              <a:t>Estimate diversity indices.</a:t>
-            </a:r>
-          </a:p>
-          <a:p>
-            <a:pPr marL="1030288" lvl="1" indent="-668338">
-              <a:buNone/>
-            </a:pPr>
-            <a:r>
-              <a:rPr lang="en-US" sz="2300" b="1" dirty="0"/>
-              <a:t>2.1   </a:t>
-            </a:r>
-            <a:r>
-              <a:rPr lang="en-US" sz="2300" dirty="0"/>
-              <a:t>Summarize the characteristic of a good   phylogenetic marker.</a:t>
-            </a:r>
-          </a:p>
-          <a:p>
-            <a:pPr marL="1030288" lvl="1" indent="-668338">
-              <a:buNone/>
-            </a:pPr>
-            <a:r>
-              <a:rPr lang="en-US" sz="2300" b="1" dirty="0"/>
-              <a:t>2.2   </a:t>
-            </a:r>
-            <a:r>
-              <a:rPr lang="en-US" sz="2300" dirty="0"/>
-              <a:t>Explain the concept of operational taxonomic units.</a:t>
-            </a:r>
-          </a:p>
-          <a:p>
-            <a:pPr marL="1030288" lvl="1" indent="-668338">
-              <a:buNone/>
-            </a:pPr>
-            <a:r>
-              <a:rPr lang="en-US" sz="2300" b="1" dirty="0"/>
-              <a:t>3.1   </a:t>
-            </a:r>
-            <a:r>
-              <a:rPr lang="en-US" sz="2300" dirty="0"/>
-              <a:t>Complete the </a:t>
-            </a:r>
-            <a:r>
-              <a:rPr lang="en-US" sz="2300" dirty="0" err="1"/>
-              <a:t>Miseq</a:t>
-            </a:r>
-            <a:r>
-              <a:rPr lang="en-US" sz="2300" dirty="0"/>
-              <a:t> standard operational protocol for </a:t>
-            </a:r>
-            <a:r>
-              <a:rPr lang="en-US" sz="2300" dirty="0" err="1"/>
-              <a:t>Mothur</a:t>
-            </a:r>
-            <a:r>
-              <a:rPr lang="en-US" sz="2300" dirty="0"/>
-              <a:t>.</a:t>
-            </a:r>
-          </a:p>
-          <a:p>
-            <a:pPr marL="1030288" lvl="1" indent="-668338">
-              <a:buNone/>
-            </a:pPr>
-            <a:r>
-              <a:rPr lang="en-US" sz="2300" b="1" dirty="0"/>
-              <a:t>3.2   </a:t>
-            </a:r>
-            <a:r>
-              <a:rPr lang="en-US" sz="2300" dirty="0"/>
-              <a:t>Modify the </a:t>
-            </a:r>
-            <a:r>
-              <a:rPr lang="en-US" sz="2300" dirty="0" err="1"/>
-              <a:t>Mothur</a:t>
-            </a:r>
-            <a:r>
-              <a:rPr lang="en-US" sz="2300" dirty="0"/>
-              <a:t> script to adapt it to other samples.</a:t>
+              <a:t>Estimate diversity indices</a:t>
             </a:r>
           </a:p>
         </p:txBody>
@@ -51837,10 +51761,15 @@
             <p:ph idx="1"/>
           </p:nvPr>
         </p:nvSpPr>
-        <p:spPr/>
+        <p:spPr>
+          <a:xfrm>
+            <a:off x="914400" y="1295400"/>
+            <a:ext cx="7772400" cy="5181600"/>
+          </a:xfrm>
+        </p:spPr>
         <p:txBody>
           <a:bodyPr>
-            <a:normAutofit fontScale="55000" lnSpcReduction="20000"/>
+            <a:normAutofit/>
           </a:bodyPr>
           <a:lstStyle/>
           <a:p>
@@ -51853,23 +51782,10 @@
               </a:tabLst>
             </a:pPr>
             <a:r>
-              <a:rPr lang="en-AU" sz="3000" dirty="0" err="1"/>
-              <a:t>Biodiversidad</a:t>
+              <a:rPr lang="en-AU" sz="2000" dirty="0"/>
+              <a:t>Biodiversity:</a:t>
             </a:r>
-            <a:r>
-              <a:rPr lang="en-AU" sz="3000" dirty="0"/>
-              <a:t>:</a:t>
-            </a:r>
-          </a:p>
-          <a:p>
-            <a:pPr marL="692255" indent="-342900">
-              <a:tabLst>
-                <a:tab pos="1017588" algn="l"/>
-                <a:tab pos="1017588" algn="l"/>
-                <a:tab pos="1017588" algn="l"/>
-              </a:tabLst>
-            </a:pPr>
-            <a:endParaRPr lang="en-AU" sz="3200" dirty="0"/>
+            <a:endParaRPr lang="en-AU" sz="2400" dirty="0"/>
           </a:p>
           <a:p>
             <a:pPr marL="692255" indent="-342900">
@@ -51880,10 +51796,10 @@
               </a:tabLst>
             </a:pPr>
             <a:r>
-              <a:rPr lang="en-US" sz="3200" dirty="0"/>
+              <a:rPr lang="en-US" sz="2400" dirty="0"/>
               <a:t>Totality of genes, species and ecosystems of a region</a:t>
             </a:r>
-            <a:endParaRPr lang="en-AU" sz="3200" dirty="0"/>
+            <a:endParaRPr lang="en-AU" sz="2400" dirty="0"/>
           </a:p>
           <a:p>
             <a:pPr marL="349355" indent="0">
@@ -51894,18 +51810,7 @@
                 <a:tab pos="1017588" algn="l"/>
               </a:tabLst>
             </a:pPr>
-            <a:endParaRPr lang="en-AU" sz="3000" dirty="0"/>
-          </a:p>
-          <a:p>
-            <a:pPr marL="349355" indent="0">
-              <a:buNone/>
-              <a:tabLst>
-                <a:tab pos="1017588" algn="l"/>
-                <a:tab pos="1017588" algn="l"/>
-                <a:tab pos="1017588" algn="l"/>
-              </a:tabLst>
-            </a:pPr>
-            <a:endParaRPr lang="en-AU" sz="3000" dirty="0"/>
+            <a:endParaRPr lang="en-AU" sz="2000" dirty="0"/>
           </a:p>
           <a:p>
             <a:pPr marL="349355" indent="0">
@@ -51917,23 +51822,14 @@
               </a:tabLst>
             </a:pPr>
             <a:r>
-              <a:rPr lang="en-AU" sz="3000" dirty="0" err="1"/>
+              <a:rPr lang="en-AU" sz="2000" dirty="0" err="1"/>
               <a:t>Magurran</a:t>
             </a:r>
             <a:r>
-              <a:rPr lang="en-AU" sz="3000" dirty="0"/>
+              <a:rPr lang="en-AU" sz="2000" dirty="0"/>
               <a:t>:</a:t>
             </a:r>
-          </a:p>
-          <a:p>
-            <a:pPr marL="692255" indent="-342900">
-              <a:tabLst>
-                <a:tab pos="1017588" algn="l"/>
-                <a:tab pos="1017588" algn="l"/>
-                <a:tab pos="1017588" algn="l"/>
-              </a:tabLst>
-            </a:pPr>
-            <a:endParaRPr lang="en-AU" sz="2400" dirty="0"/>
+            <a:endParaRPr lang="en-AU" sz="1600" dirty="0"/>
           </a:p>
           <a:p>
             <a:pPr marL="692255" indent="-342900">
@@ -51944,29 +51840,20 @@
               </a:tabLst>
             </a:pPr>
             <a:r>
-              <a:rPr lang="en-AU" sz="2800" dirty="0"/>
+              <a:rPr lang="en-AU" sz="1800" dirty="0"/>
               <a:t>The variety and abundance of species in a defined study unit.</a:t>
             </a:r>
           </a:p>
           <a:p>
-            <a:pPr marL="692255" indent="-342900">
+            <a:pPr marL="349355" indent="0">
+              <a:buNone/>
               <a:tabLst>
                 <a:tab pos="1017588" algn="l"/>
                 <a:tab pos="1017588" algn="l"/>
                 <a:tab pos="1017588" algn="l"/>
               </a:tabLst>
             </a:pPr>
-            <a:endParaRPr lang="en-AU" sz="2800" i="1" dirty="0"/>
-          </a:p>
-          <a:p>
-            <a:pPr marL="692255" indent="-342900">
-              <a:tabLst>
-                <a:tab pos="1017588" algn="l"/>
-                <a:tab pos="1017588" algn="l"/>
-                <a:tab pos="1017588" algn="l"/>
-              </a:tabLst>
-            </a:pPr>
-            <a:endParaRPr lang="en-AU" sz="2400" dirty="0"/>
+            <a:endParaRPr lang="en-AU" sz="1600" dirty="0"/>
           </a:p>
           <a:p>
             <a:pPr marL="692255" indent="-342900">
@@ -51977,11 +51864,11 @@
               </a:tabLst>
             </a:pPr>
             <a:r>
-              <a:rPr lang="en-AU" sz="3000" dirty="0"/>
+              <a:rPr lang="en-AU" sz="2000" dirty="0"/>
               <a:t>Alpha diversity</a:t>
             </a:r>
             <a:r>
-              <a:rPr lang="en-AU" sz="3000" dirty="0">
+              <a:rPr lang="en-AU" sz="2000" dirty="0">
                 <a:cs typeface="Times" pitchFamily="1" charset="0"/>
                 <a:sym typeface="Times" pitchFamily="1" charset="0"/>
               </a:rPr>
@@ -51997,7 +51884,7 @@
               </a:tabLst>
             </a:pPr>
             <a:r>
-              <a:rPr lang="en-AU" sz="2600" dirty="0">
+              <a:rPr lang="en-AU" sz="1800" dirty="0">
                 <a:cs typeface="Times" pitchFamily="1" charset="0"/>
                 <a:sym typeface="Times" pitchFamily="1" charset="0"/>
               </a:rPr>
@@ -52013,7 +51900,7 @@
               </a:tabLst>
             </a:pPr>
             <a:r>
-              <a:rPr lang="en-AU" sz="2600" dirty="0">
+              <a:rPr lang="en-AU" sz="1800" dirty="0">
                 <a:cs typeface="Times" pitchFamily="1" charset="0"/>
                 <a:sym typeface="Times" pitchFamily="1" charset="0"/>
               </a:rPr>
@@ -52028,7 +51915,7 @@
                 <a:tab pos="1017588" algn="l"/>
               </a:tabLst>
             </a:pPr>
-            <a:endParaRPr lang="en-AU" sz="2400" dirty="0"/>
+            <a:endParaRPr lang="en-AU" sz="1600" dirty="0"/>
           </a:p>
           <a:p>
             <a:pPr marL="692255" indent="-342900">
@@ -52039,7 +51926,7 @@
               </a:tabLst>
             </a:pPr>
             <a:r>
-              <a:rPr lang="en-AU" sz="3000" dirty="0"/>
+              <a:rPr lang="en-AU" sz="2000" dirty="0"/>
               <a:t>Beta diversity </a:t>
             </a:r>
           </a:p>
@@ -52052,7 +51939,7 @@
               </a:tabLst>
             </a:pPr>
             <a:r>
-              <a:rPr lang="en-AU" sz="2600" dirty="0"/>
+              <a:rPr lang="en-AU" sz="1800" dirty="0"/>
               <a:t>A measurement of how two or more spatial units differ</a:t>
             </a:r>
           </a:p>
@@ -52065,7 +51952,7 @@
               </a:tabLst>
             </a:pPr>
             <a:r>
-              <a:rPr lang="en-AU" sz="2600" dirty="0"/>
+              <a:rPr lang="en-AU" sz="1800" dirty="0"/>
               <a:t>Among communities</a:t>
             </a:r>
           </a:p>

--- a/W1_16S_analysis.pptx
+++ b/W1_16S_analysis.pptx
@@ -4759,7 +4759,7 @@
             <a:fld id="{4FF64A0F-39A5-4AD4-AFFF-35407015BDC3}" type="datetimeFigureOut">
               <a:rPr lang="en-US" smtClean="0"/>
               <a:pPr/>
-              <a:t>3/9/2018</a:t>
+              <a:t>3/14/2018</a:t>
             </a:fld>
             <a:endParaRPr lang="en-US"/>
           </a:p>
@@ -14570,7 +14570,7 @@
             <p:ph idx="1"/>
             <p:extLst>
               <p:ext uri="{D42A27DB-BD31-4B8C-83A1-F6EECF244321}">
-                <p14:modId xmlns:p14="http://schemas.microsoft.com/office/powerpoint/2010/main" val="3808203623"/>
+                <p14:modId xmlns:p14="http://schemas.microsoft.com/office/powerpoint/2010/main" val="1764135129"/>
               </p:ext>
             </p:extLst>
           </p:nvPr>
@@ -14653,7 +14653,7 @@
                         <a:rPr lang="en-US" sz="1400" dirty="0">
                           <a:latin typeface="Helvetica Neue" panose="02000503000000020004" pitchFamily="2"/>
                         </a:rPr>
-                        <a:t>OTU1</a:t>
+                        <a:t>Sp1</a:t>
                       </a:r>
                     </a:p>
                   </a:txBody>
@@ -14685,7 +14685,7 @@
                         <a:rPr lang="en-US" sz="1400" dirty="0">
                           <a:latin typeface="Helvetica Neue" panose="02000503000000020004" pitchFamily="2"/>
                         </a:rPr>
-                        <a:t>OTU2</a:t>
+                        <a:t>Sp2</a:t>
                       </a:r>
                     </a:p>
                   </a:txBody>
@@ -14717,7 +14717,7 @@
                         <a:rPr lang="en-US" sz="1400" dirty="0">
                           <a:latin typeface="Helvetica Neue" panose="02000503000000020004" pitchFamily="2"/>
                         </a:rPr>
-                        <a:t>OTU3</a:t>
+                        <a:t>Sp3</a:t>
                       </a:r>
                     </a:p>
                   </a:txBody>
@@ -14749,7 +14749,7 @@
                         <a:rPr lang="en-US" sz="1400" dirty="0">
                           <a:latin typeface="Helvetica Neue" panose="02000503000000020004" pitchFamily="2"/>
                         </a:rPr>
-                        <a:t>OTU4</a:t>
+                        <a:t>Sp4</a:t>
                       </a:r>
                     </a:p>
                   </a:txBody>
@@ -14788,11 +14788,14 @@
                         <a:defRPr/>
                       </a:pPr>
                       <a:r>
-                        <a:rPr lang="en-US" sz="1400" dirty="0">
+                        <a:rPr lang="en-US" sz="1400" dirty="0" err="1">
                           <a:latin typeface="Helvetica Neue" panose="02000503000000020004" pitchFamily="2"/>
                         </a:rPr>
-                        <a:t>OTU5</a:t>
+                        <a:t>Sp</a:t>
                       </a:r>
+                      <a:endParaRPr lang="en-US" sz="1400" dirty="0">
+                        <a:latin typeface="Helvetica Neue" panose="02000503000000020004" pitchFamily="2"/>
+                      </a:endParaRPr>
                     </a:p>
                   </a:txBody>
                   <a:tcPr marL="0" marR="0" marT="0" marB="0" anchor="ctr">
@@ -51396,7 +51399,7 @@
                   <a:schemeClr val="accent6"/>
                 </a:solidFill>
               </a:rPr>
-              <a:t>(Beta diversity, exploratory analysis such as Principal components)</a:t>
+              <a:t>(Beta diversity, exploratory analysis such as NMDS)</a:t>
             </a:r>
           </a:p>
           <a:p>

--- a/W1_16S_analysis.pptx
+++ b/W1_16S_analysis.pptx
@@ -5,37 +5,41 @@
     <p:sldMasterId id="2147483726" r:id="rId1"/>
   </p:sldMasterIdLst>
   <p:notesMasterIdLst>
-    <p:notesMasterId r:id="rId30"/>
+    <p:notesMasterId r:id="rId34"/>
   </p:notesMasterIdLst>
   <p:sldIdLst>
     <p:sldId id="256" r:id="rId2"/>
-    <p:sldId id="372" r:id="rId3"/>
-    <p:sldId id="373" r:id="rId4"/>
-    <p:sldId id="379" r:id="rId5"/>
-    <p:sldId id="335" r:id="rId6"/>
-    <p:sldId id="336" r:id="rId7"/>
-    <p:sldId id="337" r:id="rId8"/>
-    <p:sldId id="338" r:id="rId9"/>
-    <p:sldId id="339" r:id="rId10"/>
-    <p:sldId id="341" r:id="rId11"/>
-    <p:sldId id="342" r:id="rId12"/>
-    <p:sldId id="344" r:id="rId13"/>
-    <p:sldId id="345" r:id="rId14"/>
-    <p:sldId id="346" r:id="rId15"/>
-    <p:sldId id="347" r:id="rId16"/>
-    <p:sldId id="349" r:id="rId17"/>
-    <p:sldId id="350" r:id="rId18"/>
-    <p:sldId id="351" r:id="rId19"/>
-    <p:sldId id="352" r:id="rId20"/>
-    <p:sldId id="364" r:id="rId21"/>
-    <p:sldId id="374" r:id="rId22"/>
-    <p:sldId id="375" r:id="rId23"/>
-    <p:sldId id="376" r:id="rId24"/>
-    <p:sldId id="377" r:id="rId25"/>
-    <p:sldId id="378" r:id="rId26"/>
-    <p:sldId id="360" r:id="rId27"/>
-    <p:sldId id="361" r:id="rId28"/>
-    <p:sldId id="380" r:id="rId29"/>
+    <p:sldId id="381" r:id="rId3"/>
+    <p:sldId id="384" r:id="rId4"/>
+    <p:sldId id="385" r:id="rId5"/>
+    <p:sldId id="386" r:id="rId6"/>
+    <p:sldId id="379" r:id="rId7"/>
+    <p:sldId id="372" r:id="rId8"/>
+    <p:sldId id="373" r:id="rId9"/>
+    <p:sldId id="335" r:id="rId10"/>
+    <p:sldId id="336" r:id="rId11"/>
+    <p:sldId id="337" r:id="rId12"/>
+    <p:sldId id="338" r:id="rId13"/>
+    <p:sldId id="339" r:id="rId14"/>
+    <p:sldId id="341" r:id="rId15"/>
+    <p:sldId id="342" r:id="rId16"/>
+    <p:sldId id="344" r:id="rId17"/>
+    <p:sldId id="345" r:id="rId18"/>
+    <p:sldId id="346" r:id="rId19"/>
+    <p:sldId id="347" r:id="rId20"/>
+    <p:sldId id="349" r:id="rId21"/>
+    <p:sldId id="350" r:id="rId22"/>
+    <p:sldId id="351" r:id="rId23"/>
+    <p:sldId id="352" r:id="rId24"/>
+    <p:sldId id="364" r:id="rId25"/>
+    <p:sldId id="374" r:id="rId26"/>
+    <p:sldId id="375" r:id="rId27"/>
+    <p:sldId id="376" r:id="rId28"/>
+    <p:sldId id="377" r:id="rId29"/>
+    <p:sldId id="378" r:id="rId30"/>
+    <p:sldId id="360" r:id="rId31"/>
+    <p:sldId id="361" r:id="rId32"/>
+    <p:sldId id="380" r:id="rId33"/>
   </p:sldIdLst>
   <p:sldSz cx="9144000" cy="6858000" type="screen4x3"/>
   <p:notesSz cx="6858000" cy="9144000"/>
@@ -140,9 +144,13 @@
         <p14:section name="Default Section" id="{8F095490-8DAC-44B8-8A6F-683B0457A5BF}">
           <p14:sldIdLst>
             <p14:sldId id="256"/>
+            <p14:sldId id="381"/>
+            <p14:sldId id="384"/>
+            <p14:sldId id="385"/>
+            <p14:sldId id="386"/>
+            <p14:sldId id="379"/>
             <p14:sldId id="372"/>
             <p14:sldId id="373"/>
-            <p14:sldId id="379"/>
             <p14:sldId id="335"/>
             <p14:sldId id="336"/>
             <p14:sldId id="337"/>
@@ -5101,7 +5109,7 @@
             <a:fld id="{3BB8D223-F047-4A0C-B760-7561FFEF7E42}" type="slidenum">
               <a:rPr lang="en-US" smtClean="0"/>
               <a:pPr/>
-              <a:t>22</a:t>
+              <a:t>26</a:t>
             </a:fld>
             <a:endParaRPr lang="en-US"/>
           </a:p>
@@ -5214,7 +5222,7 @@
             <a:fld id="{3BB8D223-F047-4A0C-B760-7561FFEF7E42}" type="slidenum">
               <a:rPr lang="en-US" smtClean="0"/>
               <a:pPr/>
-              <a:t>23</a:t>
+              <a:t>27</a:t>
             </a:fld>
             <a:endParaRPr lang="en-US"/>
           </a:p>
@@ -5327,7 +5335,7 @@
             <a:fld id="{3BB8D223-F047-4A0C-B760-7561FFEF7E42}" type="slidenum">
               <a:rPr lang="en-US" smtClean="0"/>
               <a:pPr/>
-              <a:t>24</a:t>
+              <a:t>28</a:t>
             </a:fld>
             <a:endParaRPr lang="en-US"/>
           </a:p>
@@ -9320,6 +9328,1534 @@
         </p:nvSpPr>
         <p:spPr/>
         <p:txBody>
+          <a:bodyPr>
+            <a:noAutofit/>
+          </a:bodyPr>
+          <a:lstStyle/>
+          <a:p>
+            <a:r>
+              <a:rPr lang="en-AU" dirty="0"/>
+              <a:t>Alpha diversity</a:t>
+            </a:r>
+          </a:p>
+        </p:txBody>
+      </p:sp>
+      <p:sp>
+        <p:nvSpPr>
+          <p:cNvPr id="3" name="Content Placeholder 2"/>
+          <p:cNvSpPr>
+            <a:spLocks noGrp="1"/>
+          </p:cNvSpPr>
+          <p:nvPr>
+            <p:ph sz="quarter" idx="4294967295"/>
+          </p:nvPr>
+        </p:nvSpPr>
+        <p:spPr>
+          <a:xfrm>
+            <a:off x="914400" y="1295400"/>
+            <a:ext cx="7162800" cy="1295400"/>
+          </a:xfrm>
+        </p:spPr>
+        <p:txBody>
+          <a:bodyPr>
+            <a:normAutofit/>
+          </a:bodyPr>
+          <a:lstStyle/>
+          <a:p>
+            <a:r>
+              <a:rPr lang="en-AU" sz="2400" dirty="0"/>
+              <a:t>Richness (S): How many different species exist.</a:t>
+            </a:r>
+          </a:p>
+          <a:p>
+            <a:r>
+              <a:rPr lang="en-AU" sz="2400" dirty="0"/>
+              <a:t>Evenness: How similar are the species in their </a:t>
+            </a:r>
+            <a:r>
+              <a:rPr lang="en-AU" sz="2400" dirty="0" err="1"/>
+              <a:t>abundnace</a:t>
+            </a:r>
+            <a:r>
+              <a:rPr lang="en-AU" sz="2400" dirty="0"/>
+              <a:t>.</a:t>
+            </a:r>
+          </a:p>
+        </p:txBody>
+      </p:sp>
+      <p:sp>
+        <p:nvSpPr>
+          <p:cNvPr id="20" name="TextBox 19"/>
+          <p:cNvSpPr txBox="1"/>
+          <p:nvPr/>
+        </p:nvSpPr>
+        <p:spPr>
+          <a:xfrm>
+            <a:off x="2819400" y="4876800"/>
+            <a:ext cx="3505200" cy="1077218"/>
+          </a:xfrm>
+          <a:prstGeom prst="rect">
+            <a:avLst/>
+          </a:prstGeom>
+          <a:noFill/>
+        </p:spPr>
+        <p:txBody>
+          <a:bodyPr wrap="square" rtlCol="0">
+            <a:spAutoFit/>
+          </a:bodyPr>
+          <a:lstStyle/>
+          <a:p>
+            <a:pPr algn="ctr"/>
+            <a:r>
+              <a:rPr lang="en-AU" sz="3200" dirty="0">
+                <a:latin typeface="Helvetica Neue" panose="02000503000000020004" pitchFamily="2"/>
+              </a:rPr>
+              <a:t>Richness</a:t>
+            </a:r>
+          </a:p>
+          <a:p>
+            <a:pPr algn="ctr"/>
+            <a:r>
+              <a:rPr lang="en-AU" sz="3200" dirty="0">
+                <a:latin typeface="Helvetica Neue" panose="02000503000000020004" pitchFamily="2"/>
+              </a:rPr>
+              <a:t>Evenness</a:t>
+            </a:r>
+          </a:p>
+        </p:txBody>
+      </p:sp>
+      <p:grpSp>
+        <p:nvGrpSpPr>
+          <p:cNvPr id="27" name="Group 26"/>
+          <p:cNvGrpSpPr/>
+          <p:nvPr/>
+        </p:nvGrpSpPr>
+        <p:grpSpPr>
+          <a:xfrm>
+            <a:off x="1981200" y="2971800"/>
+            <a:ext cx="4985079" cy="1500169"/>
+            <a:chOff x="1524000" y="2667000"/>
+            <a:chExt cx="5715000" cy="2057400"/>
+          </a:xfrm>
+        </p:grpSpPr>
+        <p:sp>
+          <p:nvSpPr>
+            <p:cNvPr id="4" name="Oval 3"/>
+            <p:cNvSpPr/>
+            <p:nvPr/>
+          </p:nvSpPr>
+          <p:spPr>
+            <a:xfrm>
+              <a:off x="2057400" y="2743200"/>
+              <a:ext cx="304800" cy="304800"/>
+            </a:xfrm>
+            <a:prstGeom prst="ellipse">
+              <a:avLst/>
+            </a:prstGeom>
+          </p:spPr>
+          <p:style>
+            <a:lnRef idx="2">
+              <a:schemeClr val="accent1">
+                <a:shade val="50000"/>
+              </a:schemeClr>
+            </a:lnRef>
+            <a:fillRef idx="1">
+              <a:schemeClr val="accent1"/>
+            </a:fillRef>
+            <a:effectRef idx="0">
+              <a:schemeClr val="accent1"/>
+            </a:effectRef>
+            <a:fontRef idx="minor">
+              <a:schemeClr val="lt1"/>
+            </a:fontRef>
+          </p:style>
+          <p:txBody>
+            <a:bodyPr rtlCol="0" anchor="ctr"/>
+            <a:lstStyle/>
+            <a:p>
+              <a:pPr algn="ctr"/>
+              <a:endParaRPr lang="en-US"/>
+            </a:p>
+          </p:txBody>
+        </p:sp>
+        <p:sp>
+          <p:nvSpPr>
+            <p:cNvPr id="5" name="Oval 4"/>
+            <p:cNvSpPr/>
+            <p:nvPr/>
+          </p:nvSpPr>
+          <p:spPr>
+            <a:xfrm>
+              <a:off x="2895600" y="3505200"/>
+              <a:ext cx="304800" cy="304800"/>
+            </a:xfrm>
+            <a:prstGeom prst="ellipse">
+              <a:avLst/>
+            </a:prstGeom>
+          </p:spPr>
+          <p:style>
+            <a:lnRef idx="2">
+              <a:schemeClr val="accent1">
+                <a:shade val="50000"/>
+              </a:schemeClr>
+            </a:lnRef>
+            <a:fillRef idx="1">
+              <a:schemeClr val="accent1"/>
+            </a:fillRef>
+            <a:effectRef idx="0">
+              <a:schemeClr val="accent1"/>
+            </a:effectRef>
+            <a:fontRef idx="minor">
+              <a:schemeClr val="lt1"/>
+            </a:fontRef>
+          </p:style>
+          <p:txBody>
+            <a:bodyPr rtlCol="0" anchor="ctr"/>
+            <a:lstStyle/>
+            <a:p>
+              <a:pPr algn="ctr"/>
+              <a:endParaRPr lang="en-US"/>
+            </a:p>
+          </p:txBody>
+        </p:sp>
+        <p:sp>
+          <p:nvSpPr>
+            <p:cNvPr id="6" name="Oval 5"/>
+            <p:cNvSpPr/>
+            <p:nvPr/>
+          </p:nvSpPr>
+          <p:spPr>
+            <a:xfrm>
+              <a:off x="2514600" y="3200400"/>
+              <a:ext cx="304800" cy="304800"/>
+            </a:xfrm>
+            <a:prstGeom prst="ellipse">
+              <a:avLst/>
+            </a:prstGeom>
+          </p:spPr>
+          <p:style>
+            <a:lnRef idx="2">
+              <a:schemeClr val="accent6">
+                <a:shade val="50000"/>
+              </a:schemeClr>
+            </a:lnRef>
+            <a:fillRef idx="1">
+              <a:schemeClr val="accent6"/>
+            </a:fillRef>
+            <a:effectRef idx="0">
+              <a:schemeClr val="accent6"/>
+            </a:effectRef>
+            <a:fontRef idx="minor">
+              <a:schemeClr val="lt1"/>
+            </a:fontRef>
+          </p:style>
+          <p:txBody>
+            <a:bodyPr rtlCol="0" anchor="ctr"/>
+            <a:lstStyle/>
+            <a:p>
+              <a:pPr algn="ctr"/>
+              <a:endParaRPr lang="en-US"/>
+            </a:p>
+          </p:txBody>
+        </p:sp>
+        <p:sp>
+          <p:nvSpPr>
+            <p:cNvPr id="7" name="Oval 6"/>
+            <p:cNvSpPr/>
+            <p:nvPr/>
+          </p:nvSpPr>
+          <p:spPr>
+            <a:xfrm>
+              <a:off x="3200400" y="4419600"/>
+              <a:ext cx="304800" cy="304800"/>
+            </a:xfrm>
+            <a:prstGeom prst="ellipse">
+              <a:avLst/>
+            </a:prstGeom>
+          </p:spPr>
+          <p:style>
+            <a:lnRef idx="2">
+              <a:schemeClr val="accent6">
+                <a:shade val="50000"/>
+              </a:schemeClr>
+            </a:lnRef>
+            <a:fillRef idx="1">
+              <a:schemeClr val="accent6"/>
+            </a:fillRef>
+            <a:effectRef idx="0">
+              <a:schemeClr val="accent6"/>
+            </a:effectRef>
+            <a:fontRef idx="minor">
+              <a:schemeClr val="lt1"/>
+            </a:fontRef>
+          </p:style>
+          <p:txBody>
+            <a:bodyPr rtlCol="0" anchor="ctr"/>
+            <a:lstStyle/>
+            <a:p>
+              <a:pPr algn="ctr"/>
+              <a:endParaRPr lang="en-US"/>
+            </a:p>
+          </p:txBody>
+        </p:sp>
+        <p:sp>
+          <p:nvSpPr>
+            <p:cNvPr id="8" name="Oval 7"/>
+            <p:cNvSpPr/>
+            <p:nvPr/>
+          </p:nvSpPr>
+          <p:spPr>
+            <a:xfrm>
+              <a:off x="2286000" y="4267200"/>
+              <a:ext cx="304800" cy="304800"/>
+            </a:xfrm>
+            <a:prstGeom prst="ellipse">
+              <a:avLst/>
+            </a:prstGeom>
+          </p:spPr>
+          <p:style>
+            <a:lnRef idx="2">
+              <a:schemeClr val="accent4">
+                <a:shade val="50000"/>
+              </a:schemeClr>
+            </a:lnRef>
+            <a:fillRef idx="1">
+              <a:schemeClr val="accent4"/>
+            </a:fillRef>
+            <a:effectRef idx="0">
+              <a:schemeClr val="accent4"/>
+            </a:effectRef>
+            <a:fontRef idx="minor">
+              <a:schemeClr val="lt1"/>
+            </a:fontRef>
+          </p:style>
+          <p:txBody>
+            <a:bodyPr rtlCol="0" anchor="ctr"/>
+            <a:lstStyle/>
+            <a:p>
+              <a:pPr algn="ctr"/>
+              <a:endParaRPr lang="en-US"/>
+            </a:p>
+          </p:txBody>
+        </p:sp>
+        <p:sp>
+          <p:nvSpPr>
+            <p:cNvPr id="9" name="Oval 8"/>
+            <p:cNvSpPr/>
+            <p:nvPr/>
+          </p:nvSpPr>
+          <p:spPr>
+            <a:xfrm>
+              <a:off x="3352800" y="3657600"/>
+              <a:ext cx="304800" cy="304800"/>
+            </a:xfrm>
+            <a:prstGeom prst="ellipse">
+              <a:avLst/>
+            </a:prstGeom>
+          </p:spPr>
+          <p:style>
+            <a:lnRef idx="2">
+              <a:schemeClr val="accent1">
+                <a:shade val="50000"/>
+              </a:schemeClr>
+            </a:lnRef>
+            <a:fillRef idx="1">
+              <a:schemeClr val="accent1"/>
+            </a:fillRef>
+            <a:effectRef idx="0">
+              <a:schemeClr val="accent1"/>
+            </a:effectRef>
+            <a:fontRef idx="minor">
+              <a:schemeClr val="lt1"/>
+            </a:fontRef>
+          </p:style>
+          <p:txBody>
+            <a:bodyPr rtlCol="0" anchor="ctr"/>
+            <a:lstStyle/>
+            <a:p>
+              <a:pPr algn="ctr"/>
+              <a:endParaRPr lang="en-US"/>
+            </a:p>
+          </p:txBody>
+        </p:sp>
+        <p:sp>
+          <p:nvSpPr>
+            <p:cNvPr id="10" name="Oval 9"/>
+            <p:cNvSpPr/>
+            <p:nvPr/>
+          </p:nvSpPr>
+          <p:spPr>
+            <a:xfrm>
+              <a:off x="3048000" y="2819400"/>
+              <a:ext cx="304800" cy="304800"/>
+            </a:xfrm>
+            <a:prstGeom prst="ellipse">
+              <a:avLst/>
+            </a:prstGeom>
+          </p:spPr>
+          <p:style>
+            <a:lnRef idx="2">
+              <a:schemeClr val="accent6">
+                <a:shade val="50000"/>
+              </a:schemeClr>
+            </a:lnRef>
+            <a:fillRef idx="1">
+              <a:schemeClr val="accent6"/>
+            </a:fillRef>
+            <a:effectRef idx="0">
+              <a:schemeClr val="accent6"/>
+            </a:effectRef>
+            <a:fontRef idx="minor">
+              <a:schemeClr val="lt1"/>
+            </a:fontRef>
+          </p:style>
+          <p:txBody>
+            <a:bodyPr rtlCol="0" anchor="ctr"/>
+            <a:lstStyle/>
+            <a:p>
+              <a:pPr algn="ctr"/>
+              <a:endParaRPr lang="en-US"/>
+            </a:p>
+          </p:txBody>
+        </p:sp>
+        <p:sp>
+          <p:nvSpPr>
+            <p:cNvPr id="11" name="Oval 10"/>
+            <p:cNvSpPr/>
+            <p:nvPr/>
+          </p:nvSpPr>
+          <p:spPr>
+            <a:xfrm>
+              <a:off x="1828800" y="3505200"/>
+              <a:ext cx="304800" cy="304800"/>
+            </a:xfrm>
+            <a:prstGeom prst="ellipse">
+              <a:avLst/>
+            </a:prstGeom>
+          </p:spPr>
+          <p:style>
+            <a:lnRef idx="2">
+              <a:schemeClr val="accent4">
+                <a:shade val="50000"/>
+              </a:schemeClr>
+            </a:lnRef>
+            <a:fillRef idx="1">
+              <a:schemeClr val="accent4"/>
+            </a:fillRef>
+            <a:effectRef idx="0">
+              <a:schemeClr val="accent4"/>
+            </a:effectRef>
+            <a:fontRef idx="minor">
+              <a:schemeClr val="lt1"/>
+            </a:fontRef>
+          </p:style>
+          <p:txBody>
+            <a:bodyPr rtlCol="0" anchor="ctr"/>
+            <a:lstStyle/>
+            <a:p>
+              <a:pPr algn="ctr"/>
+              <a:endParaRPr lang="en-US"/>
+            </a:p>
+          </p:txBody>
+        </p:sp>
+        <p:sp>
+          <p:nvSpPr>
+            <p:cNvPr id="12" name="Oval 11"/>
+            <p:cNvSpPr/>
+            <p:nvPr/>
+          </p:nvSpPr>
+          <p:spPr>
+            <a:xfrm>
+              <a:off x="5562600" y="2667000"/>
+              <a:ext cx="304800" cy="304800"/>
+            </a:xfrm>
+            <a:prstGeom prst="ellipse">
+              <a:avLst/>
+            </a:prstGeom>
+          </p:spPr>
+          <p:style>
+            <a:lnRef idx="2">
+              <a:schemeClr val="accent1">
+                <a:shade val="50000"/>
+              </a:schemeClr>
+            </a:lnRef>
+            <a:fillRef idx="1">
+              <a:schemeClr val="accent1"/>
+            </a:fillRef>
+            <a:effectRef idx="0">
+              <a:schemeClr val="accent1"/>
+            </a:effectRef>
+            <a:fontRef idx="minor">
+              <a:schemeClr val="lt1"/>
+            </a:fontRef>
+          </p:style>
+          <p:txBody>
+            <a:bodyPr rtlCol="0" anchor="ctr"/>
+            <a:lstStyle/>
+            <a:p>
+              <a:pPr algn="ctr"/>
+              <a:endParaRPr lang="en-US"/>
+            </a:p>
+          </p:txBody>
+        </p:sp>
+        <p:sp>
+          <p:nvSpPr>
+            <p:cNvPr id="13" name="Oval 12"/>
+            <p:cNvSpPr/>
+            <p:nvPr/>
+          </p:nvSpPr>
+          <p:spPr>
+            <a:xfrm>
+              <a:off x="6477000" y="3200400"/>
+              <a:ext cx="304800" cy="304800"/>
+            </a:xfrm>
+            <a:prstGeom prst="ellipse">
+              <a:avLst/>
+            </a:prstGeom>
+          </p:spPr>
+          <p:style>
+            <a:lnRef idx="2">
+              <a:schemeClr val="accent1">
+                <a:shade val="50000"/>
+              </a:schemeClr>
+            </a:lnRef>
+            <a:fillRef idx="1">
+              <a:schemeClr val="accent1"/>
+            </a:fillRef>
+            <a:effectRef idx="0">
+              <a:schemeClr val="accent1"/>
+            </a:effectRef>
+            <a:fontRef idx="minor">
+              <a:schemeClr val="lt1"/>
+            </a:fontRef>
+          </p:style>
+          <p:txBody>
+            <a:bodyPr rtlCol="0" anchor="ctr"/>
+            <a:lstStyle/>
+            <a:p>
+              <a:pPr algn="ctr"/>
+              <a:endParaRPr lang="en-US"/>
+            </a:p>
+          </p:txBody>
+        </p:sp>
+        <p:sp>
+          <p:nvSpPr>
+            <p:cNvPr id="14" name="Oval 13"/>
+            <p:cNvSpPr/>
+            <p:nvPr/>
+          </p:nvSpPr>
+          <p:spPr>
+            <a:xfrm>
+              <a:off x="5943600" y="3505200"/>
+              <a:ext cx="304800" cy="304800"/>
+            </a:xfrm>
+            <a:prstGeom prst="ellipse">
+              <a:avLst/>
+            </a:prstGeom>
+          </p:spPr>
+          <p:style>
+            <a:lnRef idx="2">
+              <a:schemeClr val="accent1">
+                <a:shade val="50000"/>
+              </a:schemeClr>
+            </a:lnRef>
+            <a:fillRef idx="1">
+              <a:schemeClr val="accent1"/>
+            </a:fillRef>
+            <a:effectRef idx="0">
+              <a:schemeClr val="accent1"/>
+            </a:effectRef>
+            <a:fontRef idx="minor">
+              <a:schemeClr val="lt1"/>
+            </a:fontRef>
+          </p:style>
+          <p:txBody>
+            <a:bodyPr rtlCol="0" anchor="ctr"/>
+            <a:lstStyle/>
+            <a:p>
+              <a:pPr algn="ctr"/>
+              <a:endParaRPr lang="en-US"/>
+            </a:p>
+          </p:txBody>
+        </p:sp>
+        <p:sp>
+          <p:nvSpPr>
+            <p:cNvPr id="15" name="Oval 14"/>
+            <p:cNvSpPr/>
+            <p:nvPr/>
+          </p:nvSpPr>
+          <p:spPr>
+            <a:xfrm>
+              <a:off x="6781800" y="4114800"/>
+              <a:ext cx="304800" cy="304800"/>
+            </a:xfrm>
+            <a:prstGeom prst="ellipse">
+              <a:avLst/>
+            </a:prstGeom>
+          </p:spPr>
+          <p:style>
+            <a:lnRef idx="2">
+              <a:schemeClr val="accent6">
+                <a:shade val="50000"/>
+              </a:schemeClr>
+            </a:lnRef>
+            <a:fillRef idx="1">
+              <a:schemeClr val="accent6"/>
+            </a:fillRef>
+            <a:effectRef idx="0">
+              <a:schemeClr val="accent6"/>
+            </a:effectRef>
+            <a:fontRef idx="minor">
+              <a:schemeClr val="lt1"/>
+            </a:fontRef>
+          </p:style>
+          <p:txBody>
+            <a:bodyPr rtlCol="0" anchor="ctr"/>
+            <a:lstStyle/>
+            <a:p>
+              <a:pPr algn="ctr"/>
+              <a:endParaRPr lang="en-US"/>
+            </a:p>
+          </p:txBody>
+        </p:sp>
+        <p:sp>
+          <p:nvSpPr>
+            <p:cNvPr id="16" name="Oval 15"/>
+            <p:cNvSpPr/>
+            <p:nvPr/>
+          </p:nvSpPr>
+          <p:spPr>
+            <a:xfrm>
+              <a:off x="5791200" y="4191000"/>
+              <a:ext cx="304800" cy="304800"/>
+            </a:xfrm>
+            <a:prstGeom prst="ellipse">
+              <a:avLst/>
+            </a:prstGeom>
+          </p:spPr>
+          <p:style>
+            <a:lnRef idx="2">
+              <a:schemeClr val="accent1">
+                <a:shade val="50000"/>
+              </a:schemeClr>
+            </a:lnRef>
+            <a:fillRef idx="1">
+              <a:schemeClr val="accent1"/>
+            </a:fillRef>
+            <a:effectRef idx="0">
+              <a:schemeClr val="accent1"/>
+            </a:effectRef>
+            <a:fontRef idx="minor">
+              <a:schemeClr val="lt1"/>
+            </a:fontRef>
+          </p:style>
+          <p:txBody>
+            <a:bodyPr rtlCol="0" anchor="ctr"/>
+            <a:lstStyle/>
+            <a:p>
+              <a:pPr algn="ctr"/>
+              <a:endParaRPr lang="en-US"/>
+            </a:p>
+          </p:txBody>
+        </p:sp>
+        <p:sp>
+          <p:nvSpPr>
+            <p:cNvPr id="17" name="Oval 16"/>
+            <p:cNvSpPr/>
+            <p:nvPr/>
+          </p:nvSpPr>
+          <p:spPr>
+            <a:xfrm>
+              <a:off x="6934200" y="3352800"/>
+              <a:ext cx="304800" cy="304800"/>
+            </a:xfrm>
+            <a:prstGeom prst="ellipse">
+              <a:avLst/>
+            </a:prstGeom>
+          </p:spPr>
+          <p:style>
+            <a:lnRef idx="2">
+              <a:schemeClr val="accent6">
+                <a:shade val="50000"/>
+              </a:schemeClr>
+            </a:lnRef>
+            <a:fillRef idx="1">
+              <a:schemeClr val="accent6"/>
+            </a:fillRef>
+            <a:effectRef idx="0">
+              <a:schemeClr val="accent6"/>
+            </a:effectRef>
+            <a:fontRef idx="minor">
+              <a:schemeClr val="lt1"/>
+            </a:fontRef>
+          </p:style>
+          <p:txBody>
+            <a:bodyPr rtlCol="0" anchor="ctr"/>
+            <a:lstStyle/>
+            <a:p>
+              <a:pPr algn="ctr"/>
+              <a:endParaRPr lang="en-US"/>
+            </a:p>
+          </p:txBody>
+        </p:sp>
+        <p:sp>
+          <p:nvSpPr>
+            <p:cNvPr id="18" name="Oval 17"/>
+            <p:cNvSpPr/>
+            <p:nvPr/>
+          </p:nvSpPr>
+          <p:spPr>
+            <a:xfrm>
+              <a:off x="6553200" y="2743200"/>
+              <a:ext cx="304800" cy="304800"/>
+            </a:xfrm>
+            <a:prstGeom prst="ellipse">
+              <a:avLst/>
+            </a:prstGeom>
+          </p:spPr>
+          <p:style>
+            <a:lnRef idx="2">
+              <a:schemeClr val="accent4">
+                <a:shade val="50000"/>
+              </a:schemeClr>
+            </a:lnRef>
+            <a:fillRef idx="1">
+              <a:schemeClr val="accent4"/>
+            </a:fillRef>
+            <a:effectRef idx="0">
+              <a:schemeClr val="accent4"/>
+            </a:effectRef>
+            <a:fontRef idx="minor">
+              <a:schemeClr val="lt1"/>
+            </a:fontRef>
+          </p:style>
+          <p:txBody>
+            <a:bodyPr rtlCol="0" anchor="ctr"/>
+            <a:lstStyle/>
+            <a:p>
+              <a:pPr algn="ctr"/>
+              <a:endParaRPr lang="en-US"/>
+            </a:p>
+          </p:txBody>
+        </p:sp>
+        <p:sp>
+          <p:nvSpPr>
+            <p:cNvPr id="19" name="Oval 18"/>
+            <p:cNvSpPr/>
+            <p:nvPr/>
+          </p:nvSpPr>
+          <p:spPr>
+            <a:xfrm>
+              <a:off x="5334000" y="3429000"/>
+              <a:ext cx="304800" cy="304800"/>
+            </a:xfrm>
+            <a:prstGeom prst="ellipse">
+              <a:avLst/>
+            </a:prstGeom>
+          </p:spPr>
+          <p:style>
+            <a:lnRef idx="2">
+              <a:schemeClr val="accent1">
+                <a:shade val="50000"/>
+              </a:schemeClr>
+            </a:lnRef>
+            <a:fillRef idx="1">
+              <a:schemeClr val="accent1"/>
+            </a:fillRef>
+            <a:effectRef idx="0">
+              <a:schemeClr val="accent1"/>
+            </a:effectRef>
+            <a:fontRef idx="minor">
+              <a:schemeClr val="lt1"/>
+            </a:fontRef>
+          </p:style>
+          <p:txBody>
+            <a:bodyPr rtlCol="0" anchor="ctr"/>
+            <a:lstStyle/>
+            <a:p>
+              <a:pPr algn="ctr"/>
+              <a:endParaRPr lang="en-US"/>
+            </a:p>
+          </p:txBody>
+        </p:sp>
+        <p:sp>
+          <p:nvSpPr>
+            <p:cNvPr id="21" name="Oval 20"/>
+            <p:cNvSpPr/>
+            <p:nvPr/>
+          </p:nvSpPr>
+          <p:spPr>
+            <a:xfrm>
+              <a:off x="1524000" y="2971800"/>
+              <a:ext cx="304800" cy="304800"/>
+            </a:xfrm>
+            <a:prstGeom prst="ellipse">
+              <a:avLst/>
+            </a:prstGeom>
+          </p:spPr>
+          <p:style>
+            <a:lnRef idx="2">
+              <a:schemeClr val="accent1">
+                <a:shade val="50000"/>
+              </a:schemeClr>
+            </a:lnRef>
+            <a:fillRef idx="1">
+              <a:schemeClr val="accent1"/>
+            </a:fillRef>
+            <a:effectRef idx="0">
+              <a:schemeClr val="accent1"/>
+            </a:effectRef>
+            <a:fontRef idx="minor">
+              <a:schemeClr val="lt1"/>
+            </a:fontRef>
+          </p:style>
+          <p:txBody>
+            <a:bodyPr rtlCol="0" anchor="ctr"/>
+            <a:lstStyle/>
+            <a:p>
+              <a:pPr algn="ctr"/>
+              <a:endParaRPr lang="en-US"/>
+            </a:p>
+          </p:txBody>
+        </p:sp>
+        <p:sp>
+          <p:nvSpPr>
+            <p:cNvPr id="22" name="Oval 21"/>
+            <p:cNvSpPr/>
+            <p:nvPr/>
+          </p:nvSpPr>
+          <p:spPr>
+            <a:xfrm>
+              <a:off x="5867400" y="3048000"/>
+              <a:ext cx="304800" cy="304800"/>
+            </a:xfrm>
+            <a:prstGeom prst="ellipse">
+              <a:avLst/>
+            </a:prstGeom>
+          </p:spPr>
+          <p:style>
+            <a:lnRef idx="2">
+              <a:schemeClr val="accent1">
+                <a:shade val="50000"/>
+              </a:schemeClr>
+            </a:lnRef>
+            <a:fillRef idx="1">
+              <a:schemeClr val="accent1"/>
+            </a:fillRef>
+            <a:effectRef idx="0">
+              <a:schemeClr val="accent1"/>
+            </a:effectRef>
+            <a:fontRef idx="minor">
+              <a:schemeClr val="lt1"/>
+            </a:fontRef>
+          </p:style>
+          <p:txBody>
+            <a:bodyPr rtlCol="0" anchor="ctr"/>
+            <a:lstStyle/>
+            <a:p>
+              <a:pPr algn="ctr"/>
+              <a:endParaRPr lang="en-US"/>
+            </a:p>
+          </p:txBody>
+        </p:sp>
+        <p:sp>
+          <p:nvSpPr>
+            <p:cNvPr id="23" name="Oval 22"/>
+            <p:cNvSpPr/>
+            <p:nvPr/>
+          </p:nvSpPr>
+          <p:spPr>
+            <a:xfrm>
+              <a:off x="2133600" y="3657600"/>
+              <a:ext cx="304800" cy="304800"/>
+            </a:xfrm>
+            <a:prstGeom prst="ellipse">
+              <a:avLst/>
+            </a:prstGeom>
+          </p:spPr>
+          <p:style>
+            <a:lnRef idx="2">
+              <a:schemeClr val="accent4">
+                <a:shade val="50000"/>
+              </a:schemeClr>
+            </a:lnRef>
+            <a:fillRef idx="1">
+              <a:schemeClr val="accent4"/>
+            </a:fillRef>
+            <a:effectRef idx="0">
+              <a:schemeClr val="accent4"/>
+            </a:effectRef>
+            <a:fontRef idx="minor">
+              <a:schemeClr val="lt1"/>
+            </a:fontRef>
+          </p:style>
+          <p:txBody>
+            <a:bodyPr rtlCol="0" anchor="ctr"/>
+            <a:lstStyle/>
+            <a:p>
+              <a:pPr algn="ctr"/>
+              <a:endParaRPr lang="en-US"/>
+            </a:p>
+          </p:txBody>
+        </p:sp>
+        <p:sp>
+          <p:nvSpPr>
+            <p:cNvPr id="24" name="Oval 23"/>
+            <p:cNvSpPr/>
+            <p:nvPr/>
+          </p:nvSpPr>
+          <p:spPr>
+            <a:xfrm>
+              <a:off x="6172200" y="2819400"/>
+              <a:ext cx="304800" cy="304800"/>
+            </a:xfrm>
+            <a:prstGeom prst="ellipse">
+              <a:avLst/>
+            </a:prstGeom>
+          </p:spPr>
+          <p:style>
+            <a:lnRef idx="2">
+              <a:schemeClr val="accent1">
+                <a:shade val="50000"/>
+              </a:schemeClr>
+            </a:lnRef>
+            <a:fillRef idx="1">
+              <a:schemeClr val="accent1"/>
+            </a:fillRef>
+            <a:effectRef idx="0">
+              <a:schemeClr val="accent1"/>
+            </a:effectRef>
+            <a:fontRef idx="minor">
+              <a:schemeClr val="lt1"/>
+            </a:fontRef>
+          </p:style>
+          <p:txBody>
+            <a:bodyPr rtlCol="0" anchor="ctr"/>
+            <a:lstStyle/>
+            <a:p>
+              <a:pPr algn="ctr"/>
+              <a:endParaRPr lang="en-US"/>
+            </a:p>
+          </p:txBody>
+        </p:sp>
+      </p:grpSp>
+      <p:sp>
+        <p:nvSpPr>
+          <p:cNvPr id="25" name="TextBox 24"/>
+          <p:cNvSpPr txBox="1"/>
+          <p:nvPr/>
+        </p:nvSpPr>
+        <p:spPr>
+          <a:xfrm>
+            <a:off x="6324600" y="4866382"/>
+            <a:ext cx="1066800" cy="1077218"/>
+          </a:xfrm>
+          <a:prstGeom prst="rect">
+            <a:avLst/>
+          </a:prstGeom>
+          <a:noFill/>
+        </p:spPr>
+        <p:txBody>
+          <a:bodyPr wrap="square" rtlCol="0">
+            <a:spAutoFit/>
+          </a:bodyPr>
+          <a:lstStyle/>
+          <a:p>
+            <a:pPr algn="ctr"/>
+            <a:r>
+              <a:rPr lang="en-AU" sz="3200" dirty="0"/>
+              <a:t>=</a:t>
+            </a:r>
+          </a:p>
+          <a:p>
+            <a:pPr algn="ctr"/>
+            <a:r>
+              <a:rPr lang="en-AU" sz="3200" dirty="0"/>
+              <a:t>&lt;</a:t>
+            </a:r>
+          </a:p>
+        </p:txBody>
+      </p:sp>
+      <p:sp>
+        <p:nvSpPr>
+          <p:cNvPr id="26" name="TextBox 25"/>
+          <p:cNvSpPr txBox="1"/>
+          <p:nvPr/>
+        </p:nvSpPr>
+        <p:spPr>
+          <a:xfrm>
+            <a:off x="1714500" y="4866382"/>
+            <a:ext cx="1143000" cy="1077218"/>
+          </a:xfrm>
+          <a:prstGeom prst="rect">
+            <a:avLst/>
+          </a:prstGeom>
+          <a:noFill/>
+        </p:spPr>
+        <p:txBody>
+          <a:bodyPr wrap="square" rtlCol="0">
+            <a:spAutoFit/>
+          </a:bodyPr>
+          <a:lstStyle/>
+          <a:p>
+            <a:pPr algn="ctr"/>
+            <a:r>
+              <a:rPr lang="en-AU" sz="3200" dirty="0"/>
+              <a:t>=</a:t>
+            </a:r>
+          </a:p>
+          <a:p>
+            <a:pPr algn="ctr"/>
+            <a:r>
+              <a:rPr lang="en-AU" sz="3200" dirty="0"/>
+              <a:t>&gt;</a:t>
+            </a:r>
+          </a:p>
+        </p:txBody>
+      </p:sp>
+    </p:spTree>
+    <p:extLst>
+      <p:ext uri="{BB962C8B-B14F-4D97-AF65-F5344CB8AC3E}">
+        <p14:creationId xmlns:p14="http://schemas.microsoft.com/office/powerpoint/2010/main" val="2715080073"/>
+      </p:ext>
+    </p:extLst>
+  </p:cSld>
+  <p:clrMapOvr>
+    <a:masterClrMapping/>
+  </p:clrMapOvr>
+</p:sld>
+</file>
+
+<file path=ppt/slides/slide11.xml><?xml version="1.0" encoding="utf-8"?>
+<p:sld xmlns:a="http://schemas.openxmlformats.org/drawingml/2006/main" xmlns:r="http://schemas.openxmlformats.org/officeDocument/2006/relationships" xmlns:p="http://schemas.openxmlformats.org/presentationml/2006/main">
+  <p:cSld>
+    <p:spTree>
+      <p:nvGrpSpPr>
+        <p:cNvPr id="1" name=""/>
+        <p:cNvGrpSpPr/>
+        <p:nvPr/>
+      </p:nvGrpSpPr>
+      <p:grpSpPr>
+        <a:xfrm>
+          <a:off x="0" y="0"/>
+          <a:ext cx="0" cy="0"/>
+          <a:chOff x="0" y="0"/>
+          <a:chExt cx="0" cy="0"/>
+        </a:xfrm>
+      </p:grpSpPr>
+      <p:sp>
+        <p:nvSpPr>
+          <p:cNvPr id="2" name="Title 1"/>
+          <p:cNvSpPr>
+            <a:spLocks noGrp="1"/>
+          </p:cNvSpPr>
+          <p:nvPr>
+            <p:ph type="title"/>
+          </p:nvPr>
+        </p:nvSpPr>
+        <p:spPr/>
+        <p:txBody>
+          <a:bodyPr>
+            <a:normAutofit/>
+          </a:bodyPr>
+          <a:lstStyle/>
+          <a:p>
+            <a:r>
+              <a:rPr lang="en-AU" dirty="0"/>
+              <a:t>Alpha diversity indices</a:t>
+            </a:r>
+          </a:p>
+        </p:txBody>
+      </p:sp>
+      <p:sp>
+        <p:nvSpPr>
+          <p:cNvPr id="3" name="Content Placeholder 2"/>
+          <p:cNvSpPr>
+            <a:spLocks noGrp="1"/>
+          </p:cNvSpPr>
+          <p:nvPr>
+            <p:ph idx="1"/>
+          </p:nvPr>
+        </p:nvSpPr>
+        <p:spPr/>
+        <p:txBody>
+          <a:bodyPr>
+            <a:normAutofit/>
+          </a:bodyPr>
+          <a:lstStyle/>
+          <a:p>
+            <a:pPr>
+              <a:buClr>
+                <a:schemeClr val="accent3"/>
+              </a:buClr>
+              <a:buSzPct val="80000"/>
+            </a:pPr>
+            <a:r>
+              <a:rPr lang="en-AU" sz="2800" dirty="0"/>
+              <a:t>A metric that considers one or more diversity components</a:t>
+            </a:r>
+          </a:p>
+          <a:p>
+            <a:pPr marL="927521" lvl="2" indent="-342900">
+              <a:buClr>
+                <a:schemeClr val="accent3"/>
+              </a:buClr>
+              <a:buSzPct val="80000"/>
+            </a:pPr>
+            <a:r>
+              <a:rPr lang="en-AU" sz="2800" dirty="0"/>
+              <a:t>Shannon (H’) </a:t>
+            </a:r>
+          </a:p>
+          <a:p>
+            <a:pPr marL="927521" lvl="2" indent="-342900">
+              <a:buClr>
+                <a:schemeClr val="accent3"/>
+              </a:buClr>
+              <a:buSzPct val="80000"/>
+            </a:pPr>
+            <a:r>
+              <a:rPr lang="en-AU" sz="2800" dirty="0"/>
+              <a:t>Simpson (D)</a:t>
+            </a:r>
+          </a:p>
+          <a:p>
+            <a:pPr marL="927521" lvl="2" indent="-342900">
+              <a:buClr>
+                <a:schemeClr val="accent3"/>
+              </a:buClr>
+              <a:buSzPct val="80000"/>
+            </a:pPr>
+            <a:r>
+              <a:rPr lang="en-AU" sz="2800" dirty="0"/>
+              <a:t>Chao1</a:t>
+            </a:r>
+          </a:p>
+          <a:p>
+            <a:endParaRPr lang="en-AU" sz="2800" dirty="0"/>
+          </a:p>
+        </p:txBody>
+      </p:sp>
+    </p:spTree>
+    <p:extLst>
+      <p:ext uri="{BB962C8B-B14F-4D97-AF65-F5344CB8AC3E}">
+        <p14:creationId xmlns:p14="http://schemas.microsoft.com/office/powerpoint/2010/main" val="2723927116"/>
+      </p:ext>
+    </p:extLst>
+  </p:cSld>
+  <p:clrMapOvr>
+    <a:masterClrMapping/>
+  </p:clrMapOvr>
+</p:sld>
+</file>
+
+<file path=ppt/slides/slide12.xml><?xml version="1.0" encoding="utf-8"?>
+<p:sld xmlns:a="http://schemas.openxmlformats.org/drawingml/2006/main" xmlns:r="http://schemas.openxmlformats.org/officeDocument/2006/relationships" xmlns:p="http://schemas.openxmlformats.org/presentationml/2006/main">
+  <p:cSld>
+    <p:spTree>
+      <p:nvGrpSpPr>
+        <p:cNvPr id="1" name=""/>
+        <p:cNvGrpSpPr/>
+        <p:nvPr/>
+      </p:nvGrpSpPr>
+      <p:grpSpPr>
+        <a:xfrm>
+          <a:off x="0" y="0"/>
+          <a:ext cx="0" cy="0"/>
+          <a:chOff x="0" y="0"/>
+          <a:chExt cx="0" cy="0"/>
+        </a:xfrm>
+      </p:grpSpPr>
+      <p:sp>
+        <p:nvSpPr>
+          <p:cNvPr id="2" name="Title 1"/>
+          <p:cNvSpPr>
+            <a:spLocks noGrp="1"/>
+          </p:cNvSpPr>
+          <p:nvPr>
+            <p:ph type="title"/>
+          </p:nvPr>
+        </p:nvSpPr>
+        <p:spPr/>
+        <p:txBody>
+          <a:bodyPr>
+            <a:normAutofit/>
+          </a:bodyPr>
+          <a:lstStyle/>
+          <a:p>
+            <a:r>
+              <a:rPr lang="en-AU" dirty="0"/>
+              <a:t>Shannon diversity index (H’)</a:t>
+            </a:r>
+          </a:p>
+        </p:txBody>
+      </p:sp>
+      <p:pic>
+        <p:nvPicPr>
+          <p:cNvPr id="5" name="Picture 5"/>
+          <p:cNvPicPr>
+            <a:picLocks noChangeAspect="1" noChangeArrowheads="1"/>
+          </p:cNvPicPr>
+          <p:nvPr/>
+        </p:nvPicPr>
+        <p:blipFill>
+          <a:blip r:embed="rId2" cstate="print"/>
+          <a:srcRect/>
+          <a:stretch>
+            <a:fillRect/>
+          </a:stretch>
+        </p:blipFill>
+        <p:spPr bwMode="auto">
+          <a:xfrm>
+            <a:off x="2108200" y="3027363"/>
+            <a:ext cx="4918075" cy="1990725"/>
+          </a:xfrm>
+          <a:prstGeom prst="rect">
+            <a:avLst/>
+          </a:prstGeom>
+          <a:noFill/>
+          <a:ln w="25400">
+            <a:noFill/>
+            <a:miter lim="800000"/>
+            <a:headEnd/>
+            <a:tailEnd/>
+          </a:ln>
+        </p:spPr>
+      </p:pic>
+      <p:sp>
+        <p:nvSpPr>
+          <p:cNvPr id="12" name="TextBox 11"/>
+          <p:cNvSpPr txBox="1"/>
+          <p:nvPr/>
+        </p:nvSpPr>
+        <p:spPr>
+          <a:xfrm>
+            <a:off x="1757363" y="2057400"/>
+            <a:ext cx="2814637" cy="830997"/>
+          </a:xfrm>
+          <a:prstGeom prst="rect">
+            <a:avLst/>
+          </a:prstGeom>
+          <a:noFill/>
+        </p:spPr>
+        <p:txBody>
+          <a:bodyPr wrap="square" rtlCol="0">
+            <a:spAutoFit/>
+          </a:bodyPr>
+          <a:lstStyle/>
+          <a:p>
+            <a:r>
+              <a:rPr lang="en-US" sz="2400" dirty="0">
+                <a:latin typeface="Helvetica Neue" panose="02000503000000020004" pitchFamily="2"/>
+                <a:ea typeface="Optima" pitchFamily="1" charset="0"/>
+                <a:cs typeface="Optima" pitchFamily="1" charset="0"/>
+              </a:rPr>
+              <a:t>Number of species</a:t>
+            </a:r>
+          </a:p>
+          <a:p>
+            <a:endParaRPr lang="en-US" sz="2400" dirty="0">
+              <a:latin typeface="Helvetica Neue" panose="02000503000000020004" pitchFamily="2"/>
+            </a:endParaRPr>
+          </a:p>
+        </p:txBody>
+      </p:sp>
+      <p:sp>
+        <p:nvSpPr>
+          <p:cNvPr id="13" name="TextBox 12"/>
+          <p:cNvSpPr txBox="1"/>
+          <p:nvPr/>
+        </p:nvSpPr>
+        <p:spPr>
+          <a:xfrm>
+            <a:off x="4953000" y="1752600"/>
+            <a:ext cx="3886200" cy="707886"/>
+          </a:xfrm>
+          <a:prstGeom prst="rect">
+            <a:avLst/>
+          </a:prstGeom>
+          <a:noFill/>
+        </p:spPr>
+        <p:txBody>
+          <a:bodyPr wrap="square" rtlCol="0">
+            <a:spAutoFit/>
+          </a:bodyPr>
+          <a:lstStyle/>
+          <a:p>
+            <a:pPr defTabSz="642938">
+              <a:tabLst>
+                <a:tab pos="588963" algn="l"/>
+              </a:tabLst>
+            </a:pPr>
+            <a:r>
+              <a:rPr lang="en-AU" sz="2000" dirty="0">
+                <a:latin typeface="Helvetica Neue" panose="02000503000000020004" pitchFamily="2"/>
+                <a:ea typeface="Optima" pitchFamily="1" charset="0"/>
+                <a:cs typeface="Optima" pitchFamily="1" charset="0"/>
+              </a:rPr>
+              <a:t>Proportion of the community contributed by species</a:t>
+            </a:r>
+            <a:r>
+              <a:rPr lang="en-AU" sz="2000" i="1" dirty="0">
+                <a:latin typeface="Helvetica Neue" panose="02000503000000020004" pitchFamily="2"/>
+                <a:ea typeface="Optima" pitchFamily="1" charset="0"/>
+                <a:cs typeface="Optima" pitchFamily="1" charset="0"/>
+              </a:rPr>
+              <a:t> </a:t>
+            </a:r>
+            <a:r>
+              <a:rPr lang="en-AU" sz="2000" i="1" dirty="0" err="1">
+                <a:latin typeface="Helvetica Neue" panose="02000503000000020004" pitchFamily="2"/>
+                <a:ea typeface="Optima" pitchFamily="1" charset="0"/>
+                <a:cs typeface="Optima" pitchFamily="1" charset="0"/>
+              </a:rPr>
+              <a:t>i</a:t>
+            </a:r>
+            <a:endParaRPr lang="en-AU" sz="2000" i="1" dirty="0">
+              <a:latin typeface="Helvetica Neue" panose="02000503000000020004" pitchFamily="2"/>
+              <a:ea typeface="Optima" pitchFamily="1" charset="0"/>
+              <a:cs typeface="Optima" pitchFamily="1" charset="0"/>
+            </a:endParaRPr>
+          </a:p>
+        </p:txBody>
+      </p:sp>
+      <p:cxnSp>
+        <p:nvCxnSpPr>
+          <p:cNvPr id="10" name="Straight Arrow Connector 9"/>
+          <p:cNvCxnSpPr/>
+          <p:nvPr/>
+        </p:nvCxnSpPr>
+        <p:spPr>
+          <a:xfrm>
+            <a:off x="6477000" y="2514600"/>
+            <a:ext cx="0" cy="1143000"/>
+          </a:xfrm>
+          <a:prstGeom prst="straightConnector1">
+            <a:avLst/>
+          </a:prstGeom>
+          <a:ln w="38100">
+            <a:solidFill>
+              <a:schemeClr val="bg1">
+                <a:lumMod val="50000"/>
+              </a:schemeClr>
+            </a:solidFill>
+            <a:headEnd type="none" w="med" len="med"/>
+            <a:tailEnd type="triangle" w="med" len="med"/>
+          </a:ln>
+        </p:spPr>
+        <p:style>
+          <a:lnRef idx="1">
+            <a:schemeClr val="accent1"/>
+          </a:lnRef>
+          <a:fillRef idx="0">
+            <a:schemeClr val="accent1"/>
+          </a:fillRef>
+          <a:effectRef idx="0">
+            <a:schemeClr val="accent1"/>
+          </a:effectRef>
+          <a:fontRef idx="minor">
+            <a:schemeClr val="tx1"/>
+          </a:fontRef>
+        </p:style>
+      </p:cxnSp>
+      <p:cxnSp>
+        <p:nvCxnSpPr>
+          <p:cNvPr id="11" name="Straight Arrow Connector 10"/>
+          <p:cNvCxnSpPr/>
+          <p:nvPr/>
+        </p:nvCxnSpPr>
+        <p:spPr>
+          <a:xfrm>
+            <a:off x="4369285" y="2514600"/>
+            <a:ext cx="0" cy="512763"/>
+          </a:xfrm>
+          <a:prstGeom prst="straightConnector1">
+            <a:avLst/>
+          </a:prstGeom>
+          <a:ln w="38100">
+            <a:solidFill>
+              <a:schemeClr val="bg1">
+                <a:lumMod val="50000"/>
+              </a:schemeClr>
+            </a:solidFill>
+            <a:headEnd type="none" w="med" len="med"/>
+            <a:tailEnd type="triangle" w="med" len="med"/>
+          </a:ln>
+        </p:spPr>
+        <p:style>
+          <a:lnRef idx="1">
+            <a:schemeClr val="accent1"/>
+          </a:lnRef>
+          <a:fillRef idx="0">
+            <a:schemeClr val="accent1"/>
+          </a:fillRef>
+          <a:effectRef idx="0">
+            <a:schemeClr val="accent1"/>
+          </a:effectRef>
+          <a:fontRef idx="minor">
+            <a:schemeClr val="tx1"/>
+          </a:fontRef>
+        </p:style>
+      </p:cxnSp>
+    </p:spTree>
+    <p:extLst>
+      <p:ext uri="{BB962C8B-B14F-4D97-AF65-F5344CB8AC3E}">
+        <p14:creationId xmlns:p14="http://schemas.microsoft.com/office/powerpoint/2010/main" val="55160596"/>
+      </p:ext>
+    </p:extLst>
+  </p:cSld>
+  <p:clrMapOvr>
+    <a:masterClrMapping/>
+  </p:clrMapOvr>
+</p:sld>
+</file>
+
+<file path=ppt/slides/slide13.xml><?xml version="1.0" encoding="utf-8"?>
+<p:sld xmlns:a="http://schemas.openxmlformats.org/drawingml/2006/main" xmlns:r="http://schemas.openxmlformats.org/officeDocument/2006/relationships" xmlns:p="http://schemas.openxmlformats.org/presentationml/2006/main">
+  <p:cSld>
+    <p:spTree>
+      <p:nvGrpSpPr>
+        <p:cNvPr id="1" name=""/>
+        <p:cNvGrpSpPr/>
+        <p:nvPr/>
+      </p:nvGrpSpPr>
+      <p:grpSpPr>
+        <a:xfrm>
+          <a:off x="0" y="0"/>
+          <a:ext cx="0" cy="0"/>
+          <a:chOff x="0" y="0"/>
+          <a:chExt cx="0" cy="0"/>
+        </a:xfrm>
+      </p:grpSpPr>
+      <p:sp>
+        <p:nvSpPr>
+          <p:cNvPr id="5" name="Title 1"/>
+          <p:cNvSpPr>
+            <a:spLocks noGrp="1"/>
+          </p:cNvSpPr>
+          <p:nvPr>
+            <p:ph type="title"/>
+          </p:nvPr>
+        </p:nvSpPr>
+        <p:spPr/>
+        <p:txBody>
+          <a:bodyPr>
+            <a:normAutofit/>
+          </a:bodyPr>
+          <a:lstStyle/>
+          <a:p>
+            <a:r>
+              <a:rPr lang="en-AU" dirty="0"/>
+              <a:t>Shannon’s index limits</a:t>
+            </a:r>
+          </a:p>
+        </p:txBody>
+      </p:sp>
+      <p:sp>
+        <p:nvSpPr>
+          <p:cNvPr id="12" name="Content Placeholder 6"/>
+          <p:cNvSpPr>
+            <a:spLocks noGrp="1"/>
+          </p:cNvSpPr>
+          <p:nvPr>
+            <p:ph sz="quarter" idx="4294967295"/>
+          </p:nvPr>
+        </p:nvSpPr>
+        <p:spPr>
+          <a:xfrm>
+            <a:off x="914400" y="1295400"/>
+            <a:ext cx="7315200" cy="4876800"/>
+          </a:xfrm>
+        </p:spPr>
+        <p:txBody>
+          <a:bodyPr>
+            <a:normAutofit/>
+          </a:bodyPr>
+          <a:lstStyle/>
+          <a:p>
+            <a:r>
+              <a:rPr lang="en-AU" dirty="0"/>
+              <a:t>Range : 0 - ∞</a:t>
+            </a:r>
+          </a:p>
+          <a:p>
+            <a:r>
+              <a:rPr lang="en-AU" dirty="0"/>
+              <a:t>Heavily influenced by </a:t>
+            </a:r>
+            <a:r>
+              <a:rPr lang="en-AU" b="1" dirty="0"/>
+              <a:t>richness</a:t>
+            </a:r>
+          </a:p>
+        </p:txBody>
+      </p:sp>
+      <p:graphicFrame>
+        <p:nvGraphicFramePr>
+          <p:cNvPr id="14" name="Content Placeholder 8"/>
+          <p:cNvGraphicFramePr>
+            <a:graphicFrameLocks/>
+          </p:cNvGraphicFramePr>
+          <p:nvPr>
+            <p:extLst>
+              <p:ext uri="{D42A27DB-BD31-4B8C-83A1-F6EECF244321}">
+                <p14:modId xmlns:p14="http://schemas.microsoft.com/office/powerpoint/2010/main" val="3402451410"/>
+              </p:ext>
+            </p:extLst>
+          </p:nvPr>
+        </p:nvGraphicFramePr>
+        <p:xfrm>
+          <a:off x="990600" y="2971800"/>
+          <a:ext cx="6705600" cy="3382963"/>
+        </p:xfrm>
+        <a:graphic>
+          <a:graphicData uri="http://schemas.openxmlformats.org/drawingml/2006/chart">
+            <c:chart xmlns:c="http://schemas.openxmlformats.org/drawingml/2006/chart" xmlns:r="http://schemas.openxmlformats.org/officeDocument/2006/relationships" r:id="rId2"/>
+          </a:graphicData>
+        </a:graphic>
+      </p:graphicFrame>
+    </p:spTree>
+    <p:extLst>
+      <p:ext uri="{BB962C8B-B14F-4D97-AF65-F5344CB8AC3E}">
+        <p14:creationId xmlns:p14="http://schemas.microsoft.com/office/powerpoint/2010/main" val="1715197109"/>
+      </p:ext>
+    </p:extLst>
+  </p:cSld>
+  <p:clrMapOvr>
+    <a:masterClrMapping/>
+  </p:clrMapOvr>
+</p:sld>
+</file>
+
+<file path=ppt/slides/slide14.xml><?xml version="1.0" encoding="utf-8"?>
+<p:sld xmlns:a="http://schemas.openxmlformats.org/drawingml/2006/main" xmlns:r="http://schemas.openxmlformats.org/officeDocument/2006/relationships" xmlns:p="http://schemas.openxmlformats.org/presentationml/2006/main">
+  <p:cSld>
+    <p:spTree>
+      <p:nvGrpSpPr>
+        <p:cNvPr id="1" name=""/>
+        <p:cNvGrpSpPr/>
+        <p:nvPr/>
+      </p:nvGrpSpPr>
+      <p:grpSpPr>
+        <a:xfrm>
+          <a:off x="0" y="0"/>
+          <a:ext cx="0" cy="0"/>
+          <a:chOff x="0" y="0"/>
+          <a:chExt cx="0" cy="0"/>
+        </a:xfrm>
+      </p:grpSpPr>
+      <p:sp>
+        <p:nvSpPr>
+          <p:cNvPr id="2" name="Title 1"/>
+          <p:cNvSpPr>
+            <a:spLocks noGrp="1"/>
+          </p:cNvSpPr>
+          <p:nvPr>
+            <p:ph type="title"/>
+          </p:nvPr>
+        </p:nvSpPr>
+        <p:spPr/>
+        <p:txBody>
           <a:bodyPr/>
           <a:lstStyle/>
           <a:p>
@@ -9918,7 +11454,7 @@
 </p:sld>
 </file>
 
-<file path=ppt/slides/slide11.xml><?xml version="1.0" encoding="utf-8"?>
+<file path=ppt/slides/slide15.xml><?xml version="1.0" encoding="utf-8"?>
 <p:sld xmlns:a="http://schemas.openxmlformats.org/drawingml/2006/main" xmlns:r="http://schemas.openxmlformats.org/officeDocument/2006/relationships" xmlns:p="http://schemas.openxmlformats.org/presentationml/2006/main">
   <p:cSld>
     <p:spTree>
@@ -11626,7 +13162,7 @@
 </p:sld>
 </file>
 
-<file path=ppt/slides/slide12.xml><?xml version="1.0" encoding="utf-8"?>
+<file path=ppt/slides/slide16.xml><?xml version="1.0" encoding="utf-8"?>
 <p:sld xmlns:a="http://schemas.openxmlformats.org/drawingml/2006/main" xmlns:r="http://schemas.openxmlformats.org/officeDocument/2006/relationships" xmlns:p="http://schemas.openxmlformats.org/presentationml/2006/main">
   <p:cSld>
     <p:spTree>
@@ -12666,7 +14202,7 @@
 </p:sld>
 </file>
 
-<file path=ppt/slides/slide13.xml><?xml version="1.0" encoding="utf-8"?>
+<file path=ppt/slides/slide17.xml><?xml version="1.0" encoding="utf-8"?>
 <p:sld xmlns:a="http://schemas.openxmlformats.org/drawingml/2006/main" xmlns:r="http://schemas.openxmlformats.org/officeDocument/2006/relationships" xmlns:p="http://schemas.openxmlformats.org/presentationml/2006/main">
   <p:cSld>
     <p:spTree>
@@ -12817,7 +14353,7 @@
 </p:sld>
 </file>
 
-<file path=ppt/slides/slide14.xml><?xml version="1.0" encoding="utf-8"?>
+<file path=ppt/slides/slide18.xml><?xml version="1.0" encoding="utf-8"?>
 <p:sld xmlns:a="http://schemas.openxmlformats.org/drawingml/2006/main" xmlns:r="http://schemas.openxmlformats.org/officeDocument/2006/relationships" xmlns:p="http://schemas.openxmlformats.org/presentationml/2006/main">
   <p:cSld>
     <p:spTree>
@@ -12996,7 +14532,7 @@
 </p:sld>
 </file>
 
-<file path=ppt/slides/slide15.xml><?xml version="1.0" encoding="utf-8"?>
+<file path=ppt/slides/slide19.xml><?xml version="1.0" encoding="utf-8"?>
 <p:sld xmlns:a="http://schemas.openxmlformats.org/drawingml/2006/main" xmlns:r="http://schemas.openxmlformats.org/officeDocument/2006/relationships" xmlns:p="http://schemas.openxmlformats.org/presentationml/2006/main">
   <p:cSld>
     <p:spTree>
@@ -13120,7 +14656,242 @@
 </p:sld>
 </file>
 
-<file path=ppt/slides/slide16.xml><?xml version="1.0" encoding="utf-8"?>
+<file path=ppt/slides/slide2.xml><?xml version="1.0" encoding="utf-8"?>
+<p:sld xmlns:a="http://schemas.openxmlformats.org/drawingml/2006/main" xmlns:r="http://schemas.openxmlformats.org/officeDocument/2006/relationships" xmlns:p="http://schemas.openxmlformats.org/presentationml/2006/main">
+  <p:cSld>
+    <p:spTree>
+      <p:nvGrpSpPr>
+        <p:cNvPr id="1" name=""/>
+        <p:cNvGrpSpPr/>
+        <p:nvPr/>
+      </p:nvGrpSpPr>
+      <p:grpSpPr>
+        <a:xfrm>
+          <a:off x="0" y="0"/>
+          <a:ext cx="0" cy="0"/>
+          <a:chOff x="0" y="0"/>
+          <a:chExt cx="0" cy="0"/>
+        </a:xfrm>
+      </p:grpSpPr>
+      <p:sp>
+        <p:nvSpPr>
+          <p:cNvPr id="2" name="Title 1"/>
+          <p:cNvSpPr>
+            <a:spLocks noGrp="1"/>
+          </p:cNvSpPr>
+          <p:nvPr>
+            <p:ph type="title"/>
+          </p:nvPr>
+        </p:nvSpPr>
+        <p:spPr>
+          <a:xfrm>
+            <a:off x="457200" y="82834"/>
+            <a:ext cx="8229600" cy="609600"/>
+          </a:xfrm>
+        </p:spPr>
+        <p:txBody>
+          <a:bodyPr/>
+          <a:lstStyle/>
+          <a:p>
+            <a:r>
+              <a:rPr lang="en-US" dirty="0"/>
+              <a:t>Why is this course relevant?</a:t>
+            </a:r>
+          </a:p>
+        </p:txBody>
+      </p:sp>
+      <p:sp>
+        <p:nvSpPr>
+          <p:cNvPr id="3" name="Content Placeholder 2"/>
+          <p:cNvSpPr>
+            <a:spLocks noGrp="1"/>
+          </p:cNvSpPr>
+          <p:nvPr>
+            <p:ph idx="1"/>
+          </p:nvPr>
+        </p:nvSpPr>
+        <p:spPr>
+          <a:xfrm>
+            <a:off x="838200" y="1371600"/>
+            <a:ext cx="3048000" cy="4754563"/>
+          </a:xfrm>
+        </p:spPr>
+        <p:txBody>
+          <a:bodyPr>
+            <a:normAutofit fontScale="92500" lnSpcReduction="10000"/>
+          </a:bodyPr>
+          <a:lstStyle/>
+          <a:p>
+            <a:pPr marL="0" indent="0">
+              <a:buNone/>
+            </a:pPr>
+            <a:r>
+              <a:rPr lang="en-US" dirty="0"/>
+              <a:t>1. Microbes have important roles in biology</a:t>
+            </a:r>
+          </a:p>
+          <a:p>
+            <a:endParaRPr lang="en-US" dirty="0"/>
+          </a:p>
+          <a:p>
+            <a:pPr lvl="0"/>
+            <a:r>
+              <a:rPr lang="en-US" dirty="0"/>
+              <a:t>Microbes are key players in biogeochemical cycles</a:t>
+            </a:r>
+          </a:p>
+          <a:p>
+            <a:r>
+              <a:rPr lang="en-US" dirty="0"/>
+              <a:t>Microbes show great metabolic diversity</a:t>
+            </a:r>
+          </a:p>
+          <a:p>
+            <a:r>
+              <a:rPr lang="en-US" dirty="0"/>
+              <a:t>Biotechnological potential</a:t>
+            </a:r>
+          </a:p>
+          <a:p>
+            <a:pPr lvl="0"/>
+            <a:endParaRPr lang="en-US" dirty="0"/>
+          </a:p>
+          <a:p>
+            <a:pPr lvl="0"/>
+            <a:endParaRPr lang="en-US" dirty="0"/>
+          </a:p>
+        </p:txBody>
+      </p:sp>
+      <p:sp>
+        <p:nvSpPr>
+          <p:cNvPr id="4" name="Content Placeholder 2"/>
+          <p:cNvSpPr txBox="1">
+            <a:spLocks/>
+          </p:cNvSpPr>
+          <p:nvPr/>
+        </p:nvSpPr>
+        <p:spPr>
+          <a:xfrm>
+            <a:off x="990600" y="2971800"/>
+            <a:ext cx="3581400" cy="4525963"/>
+          </a:xfrm>
+          <a:prstGeom prst="rect">
+            <a:avLst/>
+          </a:prstGeom>
+        </p:spPr>
+        <p:txBody>
+          <a:bodyPr vert="horz" lIns="91440" tIns="45720" rIns="91440" bIns="45720" rtlCol="0">
+            <a:normAutofit/>
+          </a:bodyPr>
+          <a:lstStyle/>
+          <a:p>
+            <a:pPr marL="0" marR="0" lvl="0" indent="0" algn="l" defTabSz="914400" rtl="0" eaLnBrk="1" fontAlgn="auto" latinLnBrk="0" hangingPunct="1">
+              <a:lnSpc>
+                <a:spcPct val="100000"/>
+              </a:lnSpc>
+              <a:spcBef>
+                <a:spcPct val="20000"/>
+              </a:spcBef>
+              <a:spcAft>
+                <a:spcPts val="0"/>
+              </a:spcAft>
+              <a:buClr>
+                <a:schemeClr val="accent3"/>
+              </a:buClr>
+              <a:buSzPct val="80000"/>
+              <a:buFont typeface="Wingdings" pitchFamily="2" charset="2"/>
+              <a:buChar char="q"/>
+              <a:tabLst/>
+              <a:defRPr/>
+            </a:pPr>
+            <a:endParaRPr kumimoji="0" lang="en-US" sz="2400" b="0" i="0" u="none" strike="noStrike" kern="1200" cap="none" spc="0" normalizeH="0" baseline="0" noProof="0" dirty="0">
+              <a:ln>
+                <a:noFill/>
+              </a:ln>
+              <a:solidFill>
+                <a:schemeClr val="tx1"/>
+              </a:solidFill>
+              <a:effectLst/>
+              <a:uLnTx/>
+              <a:uFillTx/>
+              <a:latin typeface="+mn-lt"/>
+              <a:ea typeface="+mn-ea"/>
+              <a:cs typeface="+mn-cs"/>
+            </a:endParaRPr>
+          </a:p>
+        </p:txBody>
+      </p:sp>
+      <p:pic>
+        <p:nvPicPr>
+          <p:cNvPr id="5" name="Picture 2" descr="http://apbiosemonefinalreview.pbworks.com/f/55_14cNitrogenCycle-L.jpg"/>
+          <p:cNvPicPr>
+            <a:picLocks noChangeAspect="1" noChangeArrowheads="1"/>
+          </p:cNvPicPr>
+          <p:nvPr/>
+        </p:nvPicPr>
+        <p:blipFill>
+          <a:blip r:embed="rId2" cstate="print"/>
+          <a:srcRect/>
+          <a:stretch>
+            <a:fillRect/>
+          </a:stretch>
+        </p:blipFill>
+        <p:spPr bwMode="auto">
+          <a:xfrm>
+            <a:off x="3962400" y="1176017"/>
+            <a:ext cx="5181599" cy="5294349"/>
+          </a:xfrm>
+          <a:prstGeom prst="rect">
+            <a:avLst/>
+          </a:prstGeom>
+          <a:noFill/>
+        </p:spPr>
+      </p:pic>
+      <p:sp>
+        <p:nvSpPr>
+          <p:cNvPr id="6" name="Rectangle 5"/>
+          <p:cNvSpPr/>
+          <p:nvPr/>
+        </p:nvSpPr>
+        <p:spPr>
+          <a:xfrm>
+            <a:off x="228600" y="6550223"/>
+            <a:ext cx="8305800" cy="307777"/>
+          </a:xfrm>
+          <a:prstGeom prst="rect">
+            <a:avLst/>
+          </a:prstGeom>
+          <a:solidFill>
+            <a:schemeClr val="bg1"/>
+          </a:solidFill>
+        </p:spPr>
+        <p:txBody>
+          <a:bodyPr wrap="square">
+            <a:spAutoFit/>
+          </a:bodyPr>
+          <a:lstStyle/>
+          <a:p>
+            <a:r>
+              <a:rPr lang="en-US" sz="1400" dirty="0"/>
+              <a:t>http://apbiosemonefinalreview.pbworks.com/f/55_14cNitrogenCycle-L.jpg</a:t>
+            </a:r>
+          </a:p>
+        </p:txBody>
+      </p:sp>
+    </p:spTree>
+    <p:extLst>
+      <p:ext uri="{BB962C8B-B14F-4D97-AF65-F5344CB8AC3E}">
+        <p14:creationId xmlns:p14="http://schemas.microsoft.com/office/powerpoint/2010/main" val="1451266979"/>
+      </p:ext>
+    </p:extLst>
+  </p:cSld>
+  <p:clrMapOvr>
+    <a:masterClrMapping/>
+  </p:clrMapOvr>
+</p:sld>
+</file>
+
+<file path=ppt/slides/slide20.xml><?xml version="1.0" encoding="utf-8"?>
 <p:sld xmlns:a="http://schemas.openxmlformats.org/drawingml/2006/main" xmlns:r="http://schemas.openxmlformats.org/officeDocument/2006/relationships" xmlns:p="http://schemas.openxmlformats.org/presentationml/2006/main">
   <p:cSld>
     <p:spTree>
@@ -13298,7 +15069,7 @@
 </p:sld>
 </file>
 
-<file path=ppt/slides/slide17.xml><?xml version="1.0" encoding="utf-8"?>
+<file path=ppt/slides/slide21.xml><?xml version="1.0" encoding="utf-8"?>
 <p:sld xmlns:a="http://schemas.openxmlformats.org/drawingml/2006/main" xmlns:r="http://schemas.openxmlformats.org/officeDocument/2006/relationships" xmlns:p="http://schemas.openxmlformats.org/presentationml/2006/main">
   <p:cSld>
     <p:spTree>
@@ -13621,7 +15392,7 @@
 </p:sld>
 </file>
 
-<file path=ppt/slides/slide18.xml><?xml version="1.0" encoding="utf-8"?>
+<file path=ppt/slides/slide22.xml><?xml version="1.0" encoding="utf-8"?>
 <p:sld xmlns:a="http://schemas.openxmlformats.org/drawingml/2006/main" xmlns:r="http://schemas.openxmlformats.org/officeDocument/2006/relationships" xmlns:p="http://schemas.openxmlformats.org/presentationml/2006/main">
   <p:cSld>
     <p:spTree>
@@ -14199,7 +15970,7 @@
 </p:sld>
 </file>
 
-<file path=ppt/slides/slide19.xml><?xml version="1.0" encoding="utf-8"?>
+<file path=ppt/slides/slide23.xml><?xml version="1.0" encoding="utf-8"?>
 <p:sld xmlns:a="http://schemas.openxmlformats.org/drawingml/2006/main" xmlns:r="http://schemas.openxmlformats.org/officeDocument/2006/relationships" xmlns:p="http://schemas.openxmlformats.org/presentationml/2006/main">
   <p:cSld>
     <p:spTree>
@@ -14372,154 +16143,7 @@
 </p:sld>
 </file>
 
-<file path=ppt/slides/slide2.xml><?xml version="1.0" encoding="utf-8"?>
-<p:sld xmlns:a="http://schemas.openxmlformats.org/drawingml/2006/main" xmlns:r="http://schemas.openxmlformats.org/officeDocument/2006/relationships" xmlns:p="http://schemas.openxmlformats.org/presentationml/2006/main">
-  <p:cSld>
-    <p:spTree>
-      <p:nvGrpSpPr>
-        <p:cNvPr id="1" name=""/>
-        <p:cNvGrpSpPr/>
-        <p:nvPr/>
-      </p:nvGrpSpPr>
-      <p:grpSpPr>
-        <a:xfrm>
-          <a:off x="0" y="0"/>
-          <a:ext cx="0" cy="0"/>
-          <a:chOff x="0" y="0"/>
-          <a:chExt cx="0" cy="0"/>
-        </a:xfrm>
-      </p:grpSpPr>
-      <p:sp>
-        <p:nvSpPr>
-          <p:cNvPr id="2" name="Title 1"/>
-          <p:cNvSpPr>
-            <a:spLocks noGrp="1"/>
-          </p:cNvSpPr>
-          <p:nvPr>
-            <p:ph type="title"/>
-          </p:nvPr>
-        </p:nvSpPr>
-        <p:spPr/>
-        <p:txBody>
-          <a:bodyPr/>
-          <a:lstStyle/>
-          <a:p>
-            <a:r>
-              <a:rPr lang="en-US" dirty="0"/>
-              <a:t>Workshop structure</a:t>
-            </a:r>
-          </a:p>
-        </p:txBody>
-      </p:sp>
-      <p:sp>
-        <p:nvSpPr>
-          <p:cNvPr id="6" name="Content Placeholder 5"/>
-          <p:cNvSpPr>
-            <a:spLocks noGrp="1"/>
-          </p:cNvSpPr>
-          <p:nvPr>
-            <p:ph idx="1"/>
-          </p:nvPr>
-        </p:nvSpPr>
-        <p:spPr/>
-        <p:txBody>
-          <a:bodyPr/>
-          <a:lstStyle/>
-          <a:p>
-            <a:r>
-              <a:rPr lang="en-US" dirty="0"/>
-              <a:t>Session 1: Diversity review.</a:t>
-            </a:r>
-          </a:p>
-          <a:p>
-            <a:r>
-              <a:rPr lang="en-US" dirty="0"/>
-              <a:t>Session 2: How to work with 16S rRNA data.</a:t>
-            </a:r>
-          </a:p>
-          <a:p>
-            <a:r>
-              <a:rPr lang="en-US" dirty="0"/>
-              <a:t>Session 3: Hands on session with </a:t>
-            </a:r>
-            <a:r>
-              <a:rPr lang="en-US" i="1" dirty="0" err="1"/>
-              <a:t>mothur</a:t>
-            </a:r>
-            <a:r>
-              <a:rPr lang="en-US" i="1" dirty="0"/>
-              <a:t> </a:t>
-            </a:r>
-            <a:r>
-              <a:rPr lang="en-US" dirty="0"/>
-              <a:t> using </a:t>
-            </a:r>
-            <a:r>
-              <a:rPr lang="en-US" dirty="0" err="1"/>
-              <a:t>Miseq</a:t>
-            </a:r>
-            <a:r>
-              <a:rPr lang="en-US" dirty="0"/>
-              <a:t> data.</a:t>
-            </a:r>
-          </a:p>
-          <a:p>
-            <a:endParaRPr lang="en-US" dirty="0"/>
-          </a:p>
-          <a:p>
-            <a:r>
-              <a:rPr lang="en-US" dirty="0"/>
-              <a:t>Material available at:</a:t>
-            </a:r>
-          </a:p>
-          <a:p>
-            <a:pPr lvl="1"/>
-            <a:r>
-              <a:rPr lang="en-US" dirty="0"/>
-              <a:t>https://github.com/carden24/MIC506-Workshop.</a:t>
-            </a:r>
-          </a:p>
-          <a:p>
-            <a:pPr lvl="1"/>
-            <a:r>
-              <a:rPr lang="en-US" dirty="0"/>
-              <a:t>Slides.</a:t>
-            </a:r>
-          </a:p>
-          <a:p>
-            <a:pPr lvl="1"/>
-            <a:r>
-              <a:rPr lang="en-US" dirty="0"/>
-              <a:t>Files required for computer session.</a:t>
-            </a:r>
-          </a:p>
-          <a:p>
-            <a:pPr lvl="1"/>
-            <a:r>
-              <a:rPr lang="en-US" dirty="0"/>
-              <a:t>Other learning resources.</a:t>
-            </a:r>
-          </a:p>
-          <a:p>
-            <a:pPr lvl="1"/>
-            <a:endParaRPr lang="en-US" i="1" dirty="0"/>
-          </a:p>
-        </p:txBody>
-      </p:sp>
-    </p:spTree>
-    <p:extLst>
-      <p:ext uri="{BB962C8B-B14F-4D97-AF65-F5344CB8AC3E}">
-        <p14:creationId xmlns:p14="http://schemas.microsoft.com/office/powerpoint/2010/main" val="2432363482"/>
-      </p:ext>
-    </p:extLst>
-  </p:cSld>
-  <p:clrMapOvr>
-    <a:masterClrMapping/>
-  </p:clrMapOvr>
-</p:sld>
-</file>
-
-<file path=ppt/slides/slide20.xml><?xml version="1.0" encoding="utf-8"?>
+<file path=ppt/slides/slide24.xml><?xml version="1.0" encoding="utf-8"?>
 <p:sld xmlns:a="http://schemas.openxmlformats.org/drawingml/2006/main" xmlns:r="http://schemas.openxmlformats.org/officeDocument/2006/relationships" xmlns:p="http://schemas.openxmlformats.org/presentationml/2006/main">
   <p:cSld>
     <p:spTree>
@@ -49832,7 +51456,7 @@
 </p:sld>
 </file>
 
-<file path=ppt/slides/slide21.xml><?xml version="1.0" encoding="utf-8"?>
+<file path=ppt/slides/slide25.xml><?xml version="1.0" encoding="utf-8"?>
 <p:sld xmlns:a="http://schemas.openxmlformats.org/drawingml/2006/main" xmlns:r="http://schemas.openxmlformats.org/officeDocument/2006/relationships" xmlns:p="http://schemas.openxmlformats.org/presentationml/2006/main">
   <p:cSld>
     <p:spTree>
@@ -50103,7 +51727,7 @@
 </p:sld>
 </file>
 
-<file path=ppt/slides/slide22.xml><?xml version="1.0" encoding="utf-8"?>
+<file path=ppt/slides/slide26.xml><?xml version="1.0" encoding="utf-8"?>
 <p:sld xmlns:a="http://schemas.openxmlformats.org/drawingml/2006/main" xmlns:r="http://schemas.openxmlformats.org/officeDocument/2006/relationships" xmlns:p="http://schemas.openxmlformats.org/presentationml/2006/main">
   <p:cSld>
     <p:spTree>
@@ -50404,7 +52028,7 @@
 </p:sld>
 </file>
 
-<file path=ppt/slides/slide23.xml><?xml version="1.0" encoding="utf-8"?>
+<file path=ppt/slides/slide27.xml><?xml version="1.0" encoding="utf-8"?>
 <p:sld xmlns:a="http://schemas.openxmlformats.org/drawingml/2006/main" xmlns:r="http://schemas.openxmlformats.org/officeDocument/2006/relationships" xmlns:p="http://schemas.openxmlformats.org/presentationml/2006/main">
   <p:cSld>
     <p:spTree>
@@ -50566,7 +52190,7 @@
 </p:sld>
 </file>
 
-<file path=ppt/slides/slide24.xml><?xml version="1.0" encoding="utf-8"?>
+<file path=ppt/slides/slide28.xml><?xml version="1.0" encoding="utf-8"?>
 <p:sld xmlns:a="http://schemas.openxmlformats.org/drawingml/2006/main" xmlns:r="http://schemas.openxmlformats.org/officeDocument/2006/relationships" xmlns:p="http://schemas.openxmlformats.org/presentationml/2006/main">
   <p:cSld>
     <p:spTree>
@@ -50747,7 +52371,7 @@
 </p:sld>
 </file>
 
-<file path=ppt/slides/slide25.xml><?xml version="1.0" encoding="utf-8"?>
+<file path=ppt/slides/slide29.xml><?xml version="1.0" encoding="utf-8"?>
 <p:sld xmlns:a="http://schemas.openxmlformats.org/drawingml/2006/main" xmlns:r="http://schemas.openxmlformats.org/officeDocument/2006/relationships" xmlns:p="http://schemas.openxmlformats.org/presentationml/2006/main">
   <p:cSld>
     <p:spTree>
@@ -50898,7 +52522,125 @@
 </p:sld>
 </file>
 
-<file path=ppt/slides/slide26.xml><?xml version="1.0" encoding="utf-8"?>
+<file path=ppt/slides/slide3.xml><?xml version="1.0" encoding="utf-8"?>
+<p:sld xmlns:a="http://schemas.openxmlformats.org/drawingml/2006/main" xmlns:r="http://schemas.openxmlformats.org/officeDocument/2006/relationships" xmlns:p="http://schemas.openxmlformats.org/presentationml/2006/main">
+  <p:cSld>
+    <p:spTree>
+      <p:nvGrpSpPr>
+        <p:cNvPr id="1" name=""/>
+        <p:cNvGrpSpPr/>
+        <p:nvPr/>
+      </p:nvGrpSpPr>
+      <p:grpSpPr>
+        <a:xfrm>
+          <a:off x="0" y="0"/>
+          <a:ext cx="0" cy="0"/>
+          <a:chOff x="0" y="0"/>
+          <a:chExt cx="0" cy="0"/>
+        </a:xfrm>
+      </p:grpSpPr>
+      <p:sp>
+        <p:nvSpPr>
+          <p:cNvPr id="8" name="Title 1"/>
+          <p:cNvSpPr>
+            <a:spLocks noGrp="1"/>
+          </p:cNvSpPr>
+          <p:nvPr>
+            <p:ph type="title"/>
+          </p:nvPr>
+        </p:nvSpPr>
+        <p:spPr/>
+        <p:txBody>
+          <a:bodyPr>
+            <a:normAutofit/>
+          </a:bodyPr>
+          <a:lstStyle/>
+          <a:p>
+            <a:r>
+              <a:rPr lang="en-US" dirty="0"/>
+              <a:t>Why is this course relevant?</a:t>
+            </a:r>
+            <a:endParaRPr lang="en-US" sz="3200" dirty="0"/>
+          </a:p>
+        </p:txBody>
+      </p:sp>
+      <p:sp>
+        <p:nvSpPr>
+          <p:cNvPr id="11" name="Content Placeholder 10"/>
+          <p:cNvSpPr>
+            <a:spLocks noGrp="1"/>
+          </p:cNvSpPr>
+          <p:nvPr>
+            <p:ph idx="1"/>
+          </p:nvPr>
+        </p:nvSpPr>
+        <p:spPr>
+          <a:xfrm>
+            <a:off x="838200" y="1371600"/>
+            <a:ext cx="7391400" cy="4754563"/>
+          </a:xfrm>
+        </p:spPr>
+        <p:txBody>
+          <a:bodyPr/>
+          <a:lstStyle/>
+          <a:p>
+            <a:r>
+              <a:rPr lang="en-US" dirty="0"/>
+              <a:t>2. Sequencing has become cheaper and more with massive outputs</a:t>
+            </a:r>
+          </a:p>
+        </p:txBody>
+      </p:sp>
+      <p:pic>
+        <p:nvPicPr>
+          <p:cNvPr id="3" name="Picture 2">
+            <a:extLst>
+              <a:ext uri="{FF2B5EF4-FFF2-40B4-BE49-F238E27FC236}">
+                <a16:creationId xmlns:a16="http://schemas.microsoft.com/office/drawing/2014/main" id="{E29D263B-C8A6-47AF-9ED0-726ED6B71204}"/>
+              </a:ext>
+            </a:extLst>
+          </p:cNvPr>
+          <p:cNvPicPr>
+            <a:picLocks noChangeAspect="1"/>
+          </p:cNvPicPr>
+          <p:nvPr/>
+        </p:nvPicPr>
+        <p:blipFill>
+          <a:blip r:embed="rId2" cstate="print">
+            <a:extLst>
+              <a:ext uri="{28A0092B-C50C-407E-A947-70E740481C1C}">
+                <a14:useLocalDpi xmlns:a14="http://schemas.microsoft.com/office/drawing/2010/main" val="0"/>
+              </a:ext>
+            </a:extLst>
+          </a:blip>
+          <a:stretch>
+            <a:fillRect/>
+          </a:stretch>
+        </p:blipFill>
+        <p:spPr>
+          <a:xfrm>
+            <a:off x="1833518" y="2286000"/>
+            <a:ext cx="5476964" cy="4106355"/>
+          </a:xfrm>
+          <a:prstGeom prst="rect">
+            <a:avLst/>
+          </a:prstGeom>
+        </p:spPr>
+      </p:pic>
+    </p:spTree>
+    <p:extLst>
+      <p:ext uri="{BB962C8B-B14F-4D97-AF65-F5344CB8AC3E}">
+        <p14:creationId xmlns:p14="http://schemas.microsoft.com/office/powerpoint/2010/main" val="1372500046"/>
+      </p:ext>
+    </p:extLst>
+  </p:cSld>
+  <p:clrMapOvr>
+    <a:masterClrMapping/>
+  </p:clrMapOvr>
+</p:sld>
+</file>
+
+<file path=ppt/slides/slide30.xml><?xml version="1.0" encoding="utf-8"?>
 <p:sld xmlns:a="http://schemas.openxmlformats.org/drawingml/2006/main" xmlns:r="http://schemas.openxmlformats.org/officeDocument/2006/relationships" xmlns:p="http://schemas.openxmlformats.org/presentationml/2006/main">
   <p:cSld>
     <p:spTree>
@@ -51031,7 +52773,7 @@
 </p:sld>
 </file>
 
-<file path=ppt/slides/slide27.xml><?xml version="1.0" encoding="utf-8"?>
+<file path=ppt/slides/slide31.xml><?xml version="1.0" encoding="utf-8"?>
 <p:sld xmlns:a="http://schemas.openxmlformats.org/drawingml/2006/main" xmlns:r="http://schemas.openxmlformats.org/officeDocument/2006/relationships" xmlns:p="http://schemas.openxmlformats.org/presentationml/2006/main">
   <p:cSld>
     <p:spTree>
@@ -51245,7 +52987,7 @@
 </p:sld>
 </file>
 
-<file path=ppt/slides/slide28.xml><?xml version="1.0" encoding="utf-8"?>
+<file path=ppt/slides/slide32.xml><?xml version="1.0" encoding="utf-8"?>
 <p:sld xmlns:a="http://schemas.openxmlformats.org/drawingml/2006/main" xmlns:r="http://schemas.openxmlformats.org/officeDocument/2006/relationships" xmlns:p="http://schemas.openxmlformats.org/presentationml/2006/main">
   <p:cSld>
     <p:spTree>
@@ -51483,7 +53225,7 @@
 </p:sld>
 </file>
 
-<file path=ppt/slides/slide3.xml><?xml version="1.0" encoding="utf-8"?>
+<file path=ppt/slides/slide4.xml><?xml version="1.0" encoding="utf-8"?>
 <p:sld xmlns:a="http://schemas.openxmlformats.org/drawingml/2006/main" xmlns:r="http://schemas.openxmlformats.org/officeDocument/2006/relationships" xmlns:p="http://schemas.openxmlformats.org/presentationml/2006/main">
   <p:cSld>
     <p:spTree>
@@ -51502,7 +53244,286 @@
       </p:grpSpPr>
       <p:sp>
         <p:nvSpPr>
-          <p:cNvPr id="2" name="Title 1"/>
+          <p:cNvPr id="8" name="Title 1"/>
+          <p:cNvSpPr>
+            <a:spLocks noGrp="1"/>
+          </p:cNvSpPr>
+          <p:nvPr>
+            <p:ph type="title"/>
+          </p:nvPr>
+        </p:nvSpPr>
+        <p:spPr>
+          <a:xfrm>
+            <a:off x="457200" y="533400"/>
+            <a:ext cx="8305800" cy="609600"/>
+          </a:xfrm>
+        </p:spPr>
+        <p:txBody>
+          <a:bodyPr>
+            <a:normAutofit/>
+          </a:bodyPr>
+          <a:lstStyle/>
+          <a:p>
+            <a:r>
+              <a:rPr lang="en-US" dirty="0"/>
+              <a:t>Why is this course relevant?</a:t>
+            </a:r>
+            <a:endParaRPr lang="en-US" sz="3200" dirty="0"/>
+          </a:p>
+        </p:txBody>
+      </p:sp>
+      <p:sp>
+        <p:nvSpPr>
+          <p:cNvPr id="11" name="Content Placeholder 10"/>
+          <p:cNvSpPr>
+            <a:spLocks noGrp="1"/>
+          </p:cNvSpPr>
+          <p:nvPr>
+            <p:ph idx="1"/>
+          </p:nvPr>
+        </p:nvSpPr>
+        <p:spPr>
+          <a:xfrm>
+            <a:off x="838200" y="1371601"/>
+            <a:ext cx="7467600" cy="685799"/>
+          </a:xfrm>
+        </p:spPr>
+        <p:txBody>
+          <a:bodyPr>
+            <a:noAutofit/>
+          </a:bodyPr>
+          <a:lstStyle/>
+          <a:p>
+            <a:r>
+              <a:rPr lang="en-US" dirty="0"/>
+              <a:t>3. The limiting steps has moved to data analysis</a:t>
+            </a:r>
+          </a:p>
+        </p:txBody>
+      </p:sp>
+      <p:pic>
+        <p:nvPicPr>
+          <p:cNvPr id="9" name="Picture 8"/>
+          <p:cNvPicPr>
+            <a:picLocks noChangeAspect="1"/>
+          </p:cNvPicPr>
+          <p:nvPr/>
+        </p:nvPicPr>
+        <p:blipFill>
+          <a:blip r:embed="rId2" cstate="print"/>
+          <a:stretch>
+            <a:fillRect/>
+          </a:stretch>
+        </p:blipFill>
+        <p:spPr>
+          <a:xfrm>
+            <a:off x="5181600" y="2566157"/>
+            <a:ext cx="3817882" cy="3301243"/>
+          </a:xfrm>
+          <a:prstGeom prst="rect">
+            <a:avLst/>
+          </a:prstGeom>
+        </p:spPr>
+      </p:pic>
+      <p:sp>
+        <p:nvSpPr>
+          <p:cNvPr id="12" name="Rectangle 11"/>
+          <p:cNvSpPr/>
+          <p:nvPr/>
+        </p:nvSpPr>
+        <p:spPr>
+          <a:xfrm>
+            <a:off x="838200" y="2432816"/>
+            <a:ext cx="4221163" cy="4044184"/>
+          </a:xfrm>
+          <a:prstGeom prst="rect">
+            <a:avLst/>
+          </a:prstGeom>
+        </p:spPr>
+        <p:txBody>
+          <a:bodyPr wrap="square">
+            <a:spAutoFit/>
+          </a:bodyPr>
+          <a:lstStyle/>
+          <a:p>
+            <a:pPr marL="342900" lvl="0" indent="-342900">
+              <a:spcBef>
+                <a:spcPct val="20000"/>
+              </a:spcBef>
+              <a:buClr>
+                <a:srgbClr val="9BBB59"/>
+              </a:buClr>
+              <a:buSzPct val="80000"/>
+              <a:buFont typeface="Wingdings" pitchFamily="2" charset="2"/>
+              <a:buChar char="q"/>
+            </a:pPr>
+            <a:r>
+              <a:rPr lang="en-US" sz="2400" dirty="0">
+                <a:solidFill>
+                  <a:prstClr val="black"/>
+                </a:solidFill>
+              </a:rPr>
+              <a:t>Good computational scientist are needed</a:t>
+            </a:r>
+          </a:p>
+          <a:p>
+            <a:pPr marL="742950" lvl="1" indent="-285750">
+              <a:spcBef>
+                <a:spcPct val="20000"/>
+              </a:spcBef>
+              <a:buClr>
+                <a:srgbClr val="9BBB59"/>
+              </a:buClr>
+              <a:buSzPct val="70000"/>
+              <a:buFont typeface="Wingdings" pitchFamily="2" charset="2"/>
+              <a:buChar char="q"/>
+            </a:pPr>
+            <a:r>
+              <a:rPr lang="en-US" dirty="0">
+                <a:solidFill>
+                  <a:prstClr val="black"/>
+                </a:solidFill>
+              </a:rPr>
+              <a:t>Does the computation work as intended?</a:t>
+            </a:r>
+          </a:p>
+          <a:p>
+            <a:pPr marL="742950" lvl="1" indent="-285750">
+              <a:spcBef>
+                <a:spcPct val="20000"/>
+              </a:spcBef>
+              <a:buClr>
+                <a:srgbClr val="9BBB59"/>
+              </a:buClr>
+              <a:buSzPct val="70000"/>
+              <a:buFont typeface="Wingdings" pitchFamily="2" charset="2"/>
+              <a:buChar char="q"/>
+            </a:pPr>
+            <a:r>
+              <a:rPr lang="en-US" dirty="0">
+                <a:solidFill>
+                  <a:prstClr val="black"/>
+                </a:solidFill>
+              </a:rPr>
+              <a:t>Does it address the scientific question?</a:t>
+            </a:r>
+          </a:p>
+          <a:p>
+            <a:pPr marL="742950" lvl="1" indent="-285750">
+              <a:spcBef>
+                <a:spcPct val="20000"/>
+              </a:spcBef>
+              <a:buClr>
+                <a:srgbClr val="9BBB59"/>
+              </a:buClr>
+              <a:buSzPct val="70000"/>
+              <a:buFont typeface="Wingdings" pitchFamily="2" charset="2"/>
+              <a:buChar char="q"/>
+            </a:pPr>
+            <a:r>
+              <a:rPr lang="en-US" dirty="0">
+                <a:solidFill>
+                  <a:prstClr val="black"/>
+                </a:solidFill>
+              </a:rPr>
+              <a:t>Does it answer the question?</a:t>
+            </a:r>
+          </a:p>
+          <a:p>
+            <a:pPr marL="742950" lvl="1" indent="-285750">
+              <a:spcBef>
+                <a:spcPct val="20000"/>
+              </a:spcBef>
+              <a:buClr>
+                <a:srgbClr val="9BBB59"/>
+              </a:buClr>
+              <a:buSzPct val="70000"/>
+              <a:buFont typeface="Wingdings" pitchFamily="2" charset="2"/>
+              <a:buChar char="q"/>
+            </a:pPr>
+            <a:r>
+              <a:rPr lang="en-US" dirty="0">
+                <a:solidFill>
+                  <a:prstClr val="black"/>
+                </a:solidFill>
+              </a:rPr>
+              <a:t>Does the answer make sense?</a:t>
+            </a:r>
+          </a:p>
+          <a:p>
+            <a:pPr marL="742950" lvl="1" indent="-285750">
+              <a:spcBef>
+                <a:spcPct val="20000"/>
+              </a:spcBef>
+              <a:buClr>
+                <a:srgbClr val="9BBB59"/>
+              </a:buClr>
+              <a:buSzPct val="70000"/>
+              <a:buFont typeface="Wingdings" pitchFamily="2" charset="2"/>
+              <a:buChar char="q"/>
+            </a:pPr>
+            <a:r>
+              <a:rPr lang="en-US" dirty="0">
+                <a:solidFill>
+                  <a:prstClr val="black"/>
+                </a:solidFill>
+              </a:rPr>
+              <a:t>Would we be able to tell if the answer was right?</a:t>
+            </a:r>
+          </a:p>
+          <a:p>
+            <a:pPr marL="342900" lvl="0" indent="-342900">
+              <a:spcBef>
+                <a:spcPct val="20000"/>
+              </a:spcBef>
+              <a:buClr>
+                <a:srgbClr val="9BBB59"/>
+              </a:buClr>
+              <a:buSzPct val="80000"/>
+              <a:buFont typeface="Wingdings" pitchFamily="2" charset="2"/>
+              <a:buChar char="q"/>
+            </a:pPr>
+            <a:endParaRPr lang="en-US" sz="2400" dirty="0">
+              <a:solidFill>
+                <a:prstClr val="black"/>
+              </a:solidFill>
+            </a:endParaRPr>
+          </a:p>
+        </p:txBody>
+      </p:sp>
+    </p:spTree>
+    <p:extLst>
+      <p:ext uri="{BB962C8B-B14F-4D97-AF65-F5344CB8AC3E}">
+        <p14:creationId xmlns:p14="http://schemas.microsoft.com/office/powerpoint/2010/main" val="1391994321"/>
+      </p:ext>
+    </p:extLst>
+  </p:cSld>
+  <p:clrMapOvr>
+    <a:masterClrMapping/>
+  </p:clrMapOvr>
+</p:sld>
+</file>
+
+<file path=ppt/slides/slide5.xml><?xml version="1.0" encoding="utf-8"?>
+<p:sld xmlns:a="http://schemas.openxmlformats.org/drawingml/2006/main" xmlns:r="http://schemas.openxmlformats.org/officeDocument/2006/relationships" xmlns:p="http://schemas.openxmlformats.org/presentationml/2006/main">
+  <p:cSld>
+    <p:spTree>
+      <p:nvGrpSpPr>
+        <p:cNvPr id="1" name=""/>
+        <p:cNvGrpSpPr/>
+        <p:nvPr/>
+      </p:nvGrpSpPr>
+      <p:grpSpPr>
+        <a:xfrm>
+          <a:off x="0" y="0"/>
+          <a:ext cx="0" cy="0"/>
+          <a:chOff x="0" y="0"/>
+          <a:chExt cx="0" cy="0"/>
+        </a:xfrm>
+      </p:grpSpPr>
+      <p:sp>
+        <p:nvSpPr>
+          <p:cNvPr id="8" name="Title 1"/>
           <p:cNvSpPr>
             <a:spLocks noGrp="1"/>
           </p:cNvSpPr>
@@ -51512,20 +53533,22 @@
         </p:nvSpPr>
         <p:spPr/>
         <p:txBody>
-          <a:bodyPr/>
+          <a:bodyPr>
+            <a:normAutofit/>
+          </a:bodyPr>
           <a:lstStyle/>
           <a:p>
             <a:r>
-              <a:rPr lang="en-US" dirty="0" err="1"/>
-              <a:t>Objetives</a:t>
+              <a:rPr lang="en-US" dirty="0"/>
+              <a:t>Why is this course relevant?</a:t>
             </a:r>
-            <a:endParaRPr lang="en-US" dirty="0"/>
+            <a:endParaRPr lang="en-US" sz="3200" dirty="0"/>
           </a:p>
         </p:txBody>
       </p:sp>
       <p:sp>
         <p:nvSpPr>
-          <p:cNvPr id="3" name="Content Placeholder 2"/>
+          <p:cNvPr id="11" name="Content Placeholder 10"/>
           <p:cNvSpPr>
             <a:spLocks noGrp="1"/>
           </p:cNvSpPr>
@@ -51533,58 +53556,61 @@
             <p:ph idx="1"/>
           </p:nvPr>
         </p:nvSpPr>
-        <p:spPr>
-          <a:xfrm>
-            <a:off x="685800" y="3200400"/>
-            <a:ext cx="7620000" cy="2556033"/>
-          </a:xfrm>
-        </p:spPr>
+        <p:spPr/>
         <p:txBody>
-          <a:bodyPr>
-            <a:normAutofit/>
-          </a:bodyPr>
+          <a:bodyPr/>
           <a:lstStyle/>
           <a:p>
-            <a:pPr marL="0" indent="0">
-              <a:buNone/>
-            </a:pPr>
             <a:r>
-              <a:rPr lang="en-US" sz="2800" dirty="0"/>
-              <a:t>By the end of workshop you will be able to:</a:t>
+              <a:rPr lang="en-US" dirty="0"/>
+              <a:t>4. Bioinformatics is becoming an important part of biology</a:t>
             </a:r>
           </a:p>
           <a:p>
-            <a:pPr marL="1030288" lvl="1" indent="-668338">
-              <a:buNone/>
-            </a:pPr>
+            <a:endParaRPr lang="en-US" dirty="0"/>
+          </a:p>
+          <a:p>
             <a:r>
-              <a:rPr lang="en-US" sz="2300" b="1" dirty="0"/>
-              <a:t>1.1</a:t>
-            </a:r>
-            <a:r>
-              <a:rPr lang="en-US" sz="2300" dirty="0"/>
-              <a:t>   Distinguish between alpha and beta diversity.</a:t>
+              <a:rPr lang="en-US" dirty="0"/>
+              <a:t>General knowledge</a:t>
             </a:r>
           </a:p>
           <a:p>
-            <a:pPr marL="1030288" lvl="1" indent="-668338">
-              <a:buNone/>
-            </a:pPr>
             <a:r>
-              <a:rPr lang="en-US" sz="2300" b="1" dirty="0"/>
-              <a:t>1.2   </a:t>
+              <a:rPr lang="en-US" dirty="0"/>
+              <a:t>What is possible?</a:t>
             </a:r>
+          </a:p>
+          <a:p>
             <a:r>
-              <a:rPr lang="en-US" sz="2300" dirty="0"/>
-              <a:t>Estimate diversity indices</a:t>
+              <a:rPr lang="en-US" dirty="0"/>
+              <a:t>Limitations of techniques</a:t>
             </a:r>
+          </a:p>
+          <a:p>
+            <a:r>
+              <a:rPr lang="en-US" dirty="0"/>
+              <a:t>How can we use it for my research?</a:t>
+            </a:r>
+          </a:p>
+          <a:p>
+            <a:r>
+              <a:rPr lang="en-US" dirty="0"/>
+              <a:t>Critical thinking when reviewing bioinformatics work</a:t>
+            </a:r>
+          </a:p>
+          <a:p>
+            <a:endParaRPr lang="en-US" dirty="0"/>
+          </a:p>
+          <a:p>
+            <a:endParaRPr lang="en-US" dirty="0"/>
           </a:p>
         </p:txBody>
       </p:sp>
     </p:spTree>
     <p:extLst>
       <p:ext uri="{BB962C8B-B14F-4D97-AF65-F5344CB8AC3E}">
-        <p14:creationId xmlns:p14="http://schemas.microsoft.com/office/powerpoint/2010/main" val="692020919"/>
+        <p14:creationId xmlns:p14="http://schemas.microsoft.com/office/powerpoint/2010/main" val="1378892624"/>
       </p:ext>
     </p:extLst>
   </p:cSld>
@@ -51594,7 +53620,7 @@
 </p:sld>
 </file>
 
-<file path=ppt/slides/slide4.xml><?xml version="1.0" encoding="utf-8"?>
+<file path=ppt/slides/slide6.xml><?xml version="1.0" encoding="utf-8"?>
 <p:sld xmlns:a="http://schemas.openxmlformats.org/drawingml/2006/main" xmlns:r="http://schemas.openxmlformats.org/officeDocument/2006/relationships" xmlns:p="http://schemas.openxmlformats.org/presentationml/2006/main">
   <p:cSld>
     <p:spTree>
@@ -51713,7 +53739,258 @@
 </p:sld>
 </file>
 
-<file path=ppt/slides/slide5.xml><?xml version="1.0" encoding="utf-8"?>
+<file path=ppt/slides/slide7.xml><?xml version="1.0" encoding="utf-8"?>
+<p:sld xmlns:a="http://schemas.openxmlformats.org/drawingml/2006/main" xmlns:r="http://schemas.openxmlformats.org/officeDocument/2006/relationships" xmlns:p="http://schemas.openxmlformats.org/presentationml/2006/main">
+  <p:cSld>
+    <p:spTree>
+      <p:nvGrpSpPr>
+        <p:cNvPr id="1" name=""/>
+        <p:cNvGrpSpPr/>
+        <p:nvPr/>
+      </p:nvGrpSpPr>
+      <p:grpSpPr>
+        <a:xfrm>
+          <a:off x="0" y="0"/>
+          <a:ext cx="0" cy="0"/>
+          <a:chOff x="0" y="0"/>
+          <a:chExt cx="0" cy="0"/>
+        </a:xfrm>
+      </p:grpSpPr>
+      <p:sp>
+        <p:nvSpPr>
+          <p:cNvPr id="2" name="Title 1"/>
+          <p:cNvSpPr>
+            <a:spLocks noGrp="1"/>
+          </p:cNvSpPr>
+          <p:nvPr>
+            <p:ph type="title"/>
+          </p:nvPr>
+        </p:nvSpPr>
+        <p:spPr/>
+        <p:txBody>
+          <a:bodyPr/>
+          <a:lstStyle/>
+          <a:p>
+            <a:r>
+              <a:rPr lang="en-US" dirty="0"/>
+              <a:t>Workshop structure</a:t>
+            </a:r>
+          </a:p>
+        </p:txBody>
+      </p:sp>
+      <p:sp>
+        <p:nvSpPr>
+          <p:cNvPr id="6" name="Content Placeholder 5"/>
+          <p:cNvSpPr>
+            <a:spLocks noGrp="1"/>
+          </p:cNvSpPr>
+          <p:nvPr>
+            <p:ph idx="1"/>
+          </p:nvPr>
+        </p:nvSpPr>
+        <p:spPr/>
+        <p:txBody>
+          <a:bodyPr/>
+          <a:lstStyle/>
+          <a:p>
+            <a:r>
+              <a:rPr lang="en-US" dirty="0"/>
+              <a:t>Session 1: Diversity review.</a:t>
+            </a:r>
+          </a:p>
+          <a:p>
+            <a:r>
+              <a:rPr lang="en-US" dirty="0"/>
+              <a:t>Session 2: How to work with 16S rRNA data.</a:t>
+            </a:r>
+          </a:p>
+          <a:p>
+            <a:r>
+              <a:rPr lang="en-US" dirty="0"/>
+              <a:t>Session 3: Hands on session with </a:t>
+            </a:r>
+            <a:r>
+              <a:rPr lang="en-US" i="1" dirty="0" err="1"/>
+              <a:t>mothur</a:t>
+            </a:r>
+            <a:r>
+              <a:rPr lang="en-US" i="1" dirty="0"/>
+              <a:t> </a:t>
+            </a:r>
+            <a:r>
+              <a:rPr lang="en-US" dirty="0"/>
+              <a:t> using </a:t>
+            </a:r>
+            <a:r>
+              <a:rPr lang="en-US" dirty="0" err="1"/>
+              <a:t>Miseq</a:t>
+            </a:r>
+            <a:r>
+              <a:rPr lang="en-US" dirty="0"/>
+              <a:t> data.</a:t>
+            </a:r>
+          </a:p>
+          <a:p>
+            <a:endParaRPr lang="en-US" dirty="0"/>
+          </a:p>
+          <a:p>
+            <a:r>
+              <a:rPr lang="en-US" dirty="0"/>
+              <a:t>Material available at:</a:t>
+            </a:r>
+          </a:p>
+          <a:p>
+            <a:pPr lvl="1"/>
+            <a:r>
+              <a:rPr lang="en-US" sz="1800" dirty="0"/>
+              <a:t>https://github.com/carden24/2018_Taller_Genomica_ambiental/</a:t>
+            </a:r>
+          </a:p>
+          <a:p>
+            <a:pPr lvl="1"/>
+            <a:r>
+              <a:rPr lang="en-US" sz="1800" dirty="0"/>
+              <a:t>Files required for computer session.</a:t>
+            </a:r>
+          </a:p>
+          <a:p>
+            <a:pPr lvl="1"/>
+            <a:r>
+              <a:rPr lang="en-US" sz="1800" dirty="0"/>
+              <a:t>Other learning resources.</a:t>
+            </a:r>
+          </a:p>
+          <a:p>
+            <a:pPr lvl="1"/>
+            <a:endParaRPr lang="en-US" i="1" dirty="0"/>
+          </a:p>
+        </p:txBody>
+      </p:sp>
+    </p:spTree>
+    <p:extLst>
+      <p:ext uri="{BB962C8B-B14F-4D97-AF65-F5344CB8AC3E}">
+        <p14:creationId xmlns:p14="http://schemas.microsoft.com/office/powerpoint/2010/main" val="2432363482"/>
+      </p:ext>
+    </p:extLst>
+  </p:cSld>
+  <p:clrMapOvr>
+    <a:masterClrMapping/>
+  </p:clrMapOvr>
+</p:sld>
+</file>
+
+<file path=ppt/slides/slide8.xml><?xml version="1.0" encoding="utf-8"?>
+<p:sld xmlns:a="http://schemas.openxmlformats.org/drawingml/2006/main" xmlns:r="http://schemas.openxmlformats.org/officeDocument/2006/relationships" xmlns:p="http://schemas.openxmlformats.org/presentationml/2006/main">
+  <p:cSld>
+    <p:spTree>
+      <p:nvGrpSpPr>
+        <p:cNvPr id="1" name=""/>
+        <p:cNvGrpSpPr/>
+        <p:nvPr/>
+      </p:nvGrpSpPr>
+      <p:grpSpPr>
+        <a:xfrm>
+          <a:off x="0" y="0"/>
+          <a:ext cx="0" cy="0"/>
+          <a:chOff x="0" y="0"/>
+          <a:chExt cx="0" cy="0"/>
+        </a:xfrm>
+      </p:grpSpPr>
+      <p:sp>
+        <p:nvSpPr>
+          <p:cNvPr id="2" name="Title 1"/>
+          <p:cNvSpPr>
+            <a:spLocks noGrp="1"/>
+          </p:cNvSpPr>
+          <p:nvPr>
+            <p:ph type="title"/>
+          </p:nvPr>
+        </p:nvSpPr>
+        <p:spPr/>
+        <p:txBody>
+          <a:bodyPr/>
+          <a:lstStyle/>
+          <a:p>
+            <a:r>
+              <a:rPr lang="en-US" dirty="0" err="1"/>
+              <a:t>Objetives</a:t>
+            </a:r>
+            <a:endParaRPr lang="en-US" dirty="0"/>
+          </a:p>
+        </p:txBody>
+      </p:sp>
+      <p:sp>
+        <p:nvSpPr>
+          <p:cNvPr id="3" name="Content Placeholder 2"/>
+          <p:cNvSpPr>
+            <a:spLocks noGrp="1"/>
+          </p:cNvSpPr>
+          <p:nvPr>
+            <p:ph idx="1"/>
+          </p:nvPr>
+        </p:nvSpPr>
+        <p:spPr>
+          <a:xfrm>
+            <a:off x="685800" y="3200400"/>
+            <a:ext cx="7620000" cy="2556033"/>
+          </a:xfrm>
+        </p:spPr>
+        <p:txBody>
+          <a:bodyPr>
+            <a:normAutofit/>
+          </a:bodyPr>
+          <a:lstStyle/>
+          <a:p>
+            <a:pPr marL="0" indent="0">
+              <a:buNone/>
+            </a:pPr>
+            <a:r>
+              <a:rPr lang="en-US" sz="2800" dirty="0"/>
+              <a:t>By the end of workshop you will be able to:</a:t>
+            </a:r>
+          </a:p>
+          <a:p>
+            <a:pPr marL="1030288" lvl="1" indent="-668338">
+              <a:buNone/>
+            </a:pPr>
+            <a:r>
+              <a:rPr lang="en-US" sz="2300" b="1" dirty="0"/>
+              <a:t>1.1</a:t>
+            </a:r>
+            <a:r>
+              <a:rPr lang="en-US" sz="2300" dirty="0"/>
+              <a:t>   Distinguish between alpha and beta diversity.</a:t>
+            </a:r>
+          </a:p>
+          <a:p>
+            <a:pPr marL="1030288" lvl="1" indent="-668338">
+              <a:buNone/>
+            </a:pPr>
+            <a:r>
+              <a:rPr lang="en-US" sz="2300" b="1" dirty="0"/>
+              <a:t>1.2   </a:t>
+            </a:r>
+            <a:r>
+              <a:rPr lang="en-US" sz="2300" dirty="0"/>
+              <a:t>Estimate diversity indices</a:t>
+            </a:r>
+          </a:p>
+        </p:txBody>
+      </p:sp>
+    </p:spTree>
+    <p:extLst>
+      <p:ext uri="{BB962C8B-B14F-4D97-AF65-F5344CB8AC3E}">
+        <p14:creationId xmlns:p14="http://schemas.microsoft.com/office/powerpoint/2010/main" val="692020919"/>
+      </p:ext>
+    </p:extLst>
+  </p:cSld>
+  <p:clrMapOvr>
+    <a:masterClrMapping/>
+  </p:clrMapOvr>
+</p:sld>
+</file>
+
+<file path=ppt/slides/slide9.xml><?xml version="1.0" encoding="utf-8"?>
 <p:sld xmlns:a="http://schemas.openxmlformats.org/drawingml/2006/main" xmlns:r="http://schemas.openxmlformats.org/officeDocument/2006/relationships" xmlns:p="http://schemas.openxmlformats.org/presentationml/2006/main">
   <p:cSld>
     <p:spTree>
@@ -51965,1534 +54242,6 @@
     <p:extLst>
       <p:ext uri="{BB962C8B-B14F-4D97-AF65-F5344CB8AC3E}">
         <p14:creationId xmlns:p14="http://schemas.microsoft.com/office/powerpoint/2010/main" val="2275768977"/>
-      </p:ext>
-    </p:extLst>
-  </p:cSld>
-  <p:clrMapOvr>
-    <a:masterClrMapping/>
-  </p:clrMapOvr>
-</p:sld>
-</file>
-
-<file path=ppt/slides/slide6.xml><?xml version="1.0" encoding="utf-8"?>
-<p:sld xmlns:a="http://schemas.openxmlformats.org/drawingml/2006/main" xmlns:r="http://schemas.openxmlformats.org/officeDocument/2006/relationships" xmlns:p="http://schemas.openxmlformats.org/presentationml/2006/main">
-  <p:cSld>
-    <p:spTree>
-      <p:nvGrpSpPr>
-        <p:cNvPr id="1" name=""/>
-        <p:cNvGrpSpPr/>
-        <p:nvPr/>
-      </p:nvGrpSpPr>
-      <p:grpSpPr>
-        <a:xfrm>
-          <a:off x="0" y="0"/>
-          <a:ext cx="0" cy="0"/>
-          <a:chOff x="0" y="0"/>
-          <a:chExt cx="0" cy="0"/>
-        </a:xfrm>
-      </p:grpSpPr>
-      <p:sp>
-        <p:nvSpPr>
-          <p:cNvPr id="2" name="Title 1"/>
-          <p:cNvSpPr>
-            <a:spLocks noGrp="1"/>
-          </p:cNvSpPr>
-          <p:nvPr>
-            <p:ph type="title"/>
-          </p:nvPr>
-        </p:nvSpPr>
-        <p:spPr/>
-        <p:txBody>
-          <a:bodyPr>
-            <a:noAutofit/>
-          </a:bodyPr>
-          <a:lstStyle/>
-          <a:p>
-            <a:r>
-              <a:rPr lang="en-AU" dirty="0"/>
-              <a:t>Alpha diversity</a:t>
-            </a:r>
-          </a:p>
-        </p:txBody>
-      </p:sp>
-      <p:sp>
-        <p:nvSpPr>
-          <p:cNvPr id="3" name="Content Placeholder 2"/>
-          <p:cNvSpPr>
-            <a:spLocks noGrp="1"/>
-          </p:cNvSpPr>
-          <p:nvPr>
-            <p:ph sz="quarter" idx="4294967295"/>
-          </p:nvPr>
-        </p:nvSpPr>
-        <p:spPr>
-          <a:xfrm>
-            <a:off x="914400" y="1295400"/>
-            <a:ext cx="7162800" cy="1295400"/>
-          </a:xfrm>
-        </p:spPr>
-        <p:txBody>
-          <a:bodyPr>
-            <a:normAutofit/>
-          </a:bodyPr>
-          <a:lstStyle/>
-          <a:p>
-            <a:r>
-              <a:rPr lang="en-AU" sz="2400" dirty="0"/>
-              <a:t>Richness (S): How many different species exist.</a:t>
-            </a:r>
-          </a:p>
-          <a:p>
-            <a:r>
-              <a:rPr lang="en-AU" sz="2400" dirty="0"/>
-              <a:t>Evenness: How similar are the species in their </a:t>
-            </a:r>
-            <a:r>
-              <a:rPr lang="en-AU" sz="2400" dirty="0" err="1"/>
-              <a:t>abundnace</a:t>
-            </a:r>
-            <a:r>
-              <a:rPr lang="en-AU" sz="2400" dirty="0"/>
-              <a:t>.</a:t>
-            </a:r>
-          </a:p>
-        </p:txBody>
-      </p:sp>
-      <p:sp>
-        <p:nvSpPr>
-          <p:cNvPr id="20" name="TextBox 19"/>
-          <p:cNvSpPr txBox="1"/>
-          <p:nvPr/>
-        </p:nvSpPr>
-        <p:spPr>
-          <a:xfrm>
-            <a:off x="2819400" y="4876800"/>
-            <a:ext cx="3505200" cy="1077218"/>
-          </a:xfrm>
-          <a:prstGeom prst="rect">
-            <a:avLst/>
-          </a:prstGeom>
-          <a:noFill/>
-        </p:spPr>
-        <p:txBody>
-          <a:bodyPr wrap="square" rtlCol="0">
-            <a:spAutoFit/>
-          </a:bodyPr>
-          <a:lstStyle/>
-          <a:p>
-            <a:pPr algn="ctr"/>
-            <a:r>
-              <a:rPr lang="en-AU" sz="3200" dirty="0">
-                <a:latin typeface="Helvetica Neue" panose="02000503000000020004" pitchFamily="2"/>
-              </a:rPr>
-              <a:t>Richness</a:t>
-            </a:r>
-          </a:p>
-          <a:p>
-            <a:pPr algn="ctr"/>
-            <a:r>
-              <a:rPr lang="en-AU" sz="3200" dirty="0">
-                <a:latin typeface="Helvetica Neue" panose="02000503000000020004" pitchFamily="2"/>
-              </a:rPr>
-              <a:t>Evenness</a:t>
-            </a:r>
-          </a:p>
-        </p:txBody>
-      </p:sp>
-      <p:grpSp>
-        <p:nvGrpSpPr>
-          <p:cNvPr id="27" name="Group 26"/>
-          <p:cNvGrpSpPr/>
-          <p:nvPr/>
-        </p:nvGrpSpPr>
-        <p:grpSpPr>
-          <a:xfrm>
-            <a:off x="1981200" y="2971800"/>
-            <a:ext cx="4985079" cy="1500169"/>
-            <a:chOff x="1524000" y="2667000"/>
-            <a:chExt cx="5715000" cy="2057400"/>
-          </a:xfrm>
-        </p:grpSpPr>
-        <p:sp>
-          <p:nvSpPr>
-            <p:cNvPr id="4" name="Oval 3"/>
-            <p:cNvSpPr/>
-            <p:nvPr/>
-          </p:nvSpPr>
-          <p:spPr>
-            <a:xfrm>
-              <a:off x="2057400" y="2743200"/>
-              <a:ext cx="304800" cy="304800"/>
-            </a:xfrm>
-            <a:prstGeom prst="ellipse">
-              <a:avLst/>
-            </a:prstGeom>
-          </p:spPr>
-          <p:style>
-            <a:lnRef idx="2">
-              <a:schemeClr val="accent1">
-                <a:shade val="50000"/>
-              </a:schemeClr>
-            </a:lnRef>
-            <a:fillRef idx="1">
-              <a:schemeClr val="accent1"/>
-            </a:fillRef>
-            <a:effectRef idx="0">
-              <a:schemeClr val="accent1"/>
-            </a:effectRef>
-            <a:fontRef idx="minor">
-              <a:schemeClr val="lt1"/>
-            </a:fontRef>
-          </p:style>
-          <p:txBody>
-            <a:bodyPr rtlCol="0" anchor="ctr"/>
-            <a:lstStyle/>
-            <a:p>
-              <a:pPr algn="ctr"/>
-              <a:endParaRPr lang="en-US"/>
-            </a:p>
-          </p:txBody>
-        </p:sp>
-        <p:sp>
-          <p:nvSpPr>
-            <p:cNvPr id="5" name="Oval 4"/>
-            <p:cNvSpPr/>
-            <p:nvPr/>
-          </p:nvSpPr>
-          <p:spPr>
-            <a:xfrm>
-              <a:off x="2895600" y="3505200"/>
-              <a:ext cx="304800" cy="304800"/>
-            </a:xfrm>
-            <a:prstGeom prst="ellipse">
-              <a:avLst/>
-            </a:prstGeom>
-          </p:spPr>
-          <p:style>
-            <a:lnRef idx="2">
-              <a:schemeClr val="accent1">
-                <a:shade val="50000"/>
-              </a:schemeClr>
-            </a:lnRef>
-            <a:fillRef idx="1">
-              <a:schemeClr val="accent1"/>
-            </a:fillRef>
-            <a:effectRef idx="0">
-              <a:schemeClr val="accent1"/>
-            </a:effectRef>
-            <a:fontRef idx="minor">
-              <a:schemeClr val="lt1"/>
-            </a:fontRef>
-          </p:style>
-          <p:txBody>
-            <a:bodyPr rtlCol="0" anchor="ctr"/>
-            <a:lstStyle/>
-            <a:p>
-              <a:pPr algn="ctr"/>
-              <a:endParaRPr lang="en-US"/>
-            </a:p>
-          </p:txBody>
-        </p:sp>
-        <p:sp>
-          <p:nvSpPr>
-            <p:cNvPr id="6" name="Oval 5"/>
-            <p:cNvSpPr/>
-            <p:nvPr/>
-          </p:nvSpPr>
-          <p:spPr>
-            <a:xfrm>
-              <a:off x="2514600" y="3200400"/>
-              <a:ext cx="304800" cy="304800"/>
-            </a:xfrm>
-            <a:prstGeom prst="ellipse">
-              <a:avLst/>
-            </a:prstGeom>
-          </p:spPr>
-          <p:style>
-            <a:lnRef idx="2">
-              <a:schemeClr val="accent6">
-                <a:shade val="50000"/>
-              </a:schemeClr>
-            </a:lnRef>
-            <a:fillRef idx="1">
-              <a:schemeClr val="accent6"/>
-            </a:fillRef>
-            <a:effectRef idx="0">
-              <a:schemeClr val="accent6"/>
-            </a:effectRef>
-            <a:fontRef idx="minor">
-              <a:schemeClr val="lt1"/>
-            </a:fontRef>
-          </p:style>
-          <p:txBody>
-            <a:bodyPr rtlCol="0" anchor="ctr"/>
-            <a:lstStyle/>
-            <a:p>
-              <a:pPr algn="ctr"/>
-              <a:endParaRPr lang="en-US"/>
-            </a:p>
-          </p:txBody>
-        </p:sp>
-        <p:sp>
-          <p:nvSpPr>
-            <p:cNvPr id="7" name="Oval 6"/>
-            <p:cNvSpPr/>
-            <p:nvPr/>
-          </p:nvSpPr>
-          <p:spPr>
-            <a:xfrm>
-              <a:off x="3200400" y="4419600"/>
-              <a:ext cx="304800" cy="304800"/>
-            </a:xfrm>
-            <a:prstGeom prst="ellipse">
-              <a:avLst/>
-            </a:prstGeom>
-          </p:spPr>
-          <p:style>
-            <a:lnRef idx="2">
-              <a:schemeClr val="accent6">
-                <a:shade val="50000"/>
-              </a:schemeClr>
-            </a:lnRef>
-            <a:fillRef idx="1">
-              <a:schemeClr val="accent6"/>
-            </a:fillRef>
-            <a:effectRef idx="0">
-              <a:schemeClr val="accent6"/>
-            </a:effectRef>
-            <a:fontRef idx="minor">
-              <a:schemeClr val="lt1"/>
-            </a:fontRef>
-          </p:style>
-          <p:txBody>
-            <a:bodyPr rtlCol="0" anchor="ctr"/>
-            <a:lstStyle/>
-            <a:p>
-              <a:pPr algn="ctr"/>
-              <a:endParaRPr lang="en-US"/>
-            </a:p>
-          </p:txBody>
-        </p:sp>
-        <p:sp>
-          <p:nvSpPr>
-            <p:cNvPr id="8" name="Oval 7"/>
-            <p:cNvSpPr/>
-            <p:nvPr/>
-          </p:nvSpPr>
-          <p:spPr>
-            <a:xfrm>
-              <a:off x="2286000" y="4267200"/>
-              <a:ext cx="304800" cy="304800"/>
-            </a:xfrm>
-            <a:prstGeom prst="ellipse">
-              <a:avLst/>
-            </a:prstGeom>
-          </p:spPr>
-          <p:style>
-            <a:lnRef idx="2">
-              <a:schemeClr val="accent4">
-                <a:shade val="50000"/>
-              </a:schemeClr>
-            </a:lnRef>
-            <a:fillRef idx="1">
-              <a:schemeClr val="accent4"/>
-            </a:fillRef>
-            <a:effectRef idx="0">
-              <a:schemeClr val="accent4"/>
-            </a:effectRef>
-            <a:fontRef idx="minor">
-              <a:schemeClr val="lt1"/>
-            </a:fontRef>
-          </p:style>
-          <p:txBody>
-            <a:bodyPr rtlCol="0" anchor="ctr"/>
-            <a:lstStyle/>
-            <a:p>
-              <a:pPr algn="ctr"/>
-              <a:endParaRPr lang="en-US"/>
-            </a:p>
-          </p:txBody>
-        </p:sp>
-        <p:sp>
-          <p:nvSpPr>
-            <p:cNvPr id="9" name="Oval 8"/>
-            <p:cNvSpPr/>
-            <p:nvPr/>
-          </p:nvSpPr>
-          <p:spPr>
-            <a:xfrm>
-              <a:off x="3352800" y="3657600"/>
-              <a:ext cx="304800" cy="304800"/>
-            </a:xfrm>
-            <a:prstGeom prst="ellipse">
-              <a:avLst/>
-            </a:prstGeom>
-          </p:spPr>
-          <p:style>
-            <a:lnRef idx="2">
-              <a:schemeClr val="accent1">
-                <a:shade val="50000"/>
-              </a:schemeClr>
-            </a:lnRef>
-            <a:fillRef idx="1">
-              <a:schemeClr val="accent1"/>
-            </a:fillRef>
-            <a:effectRef idx="0">
-              <a:schemeClr val="accent1"/>
-            </a:effectRef>
-            <a:fontRef idx="minor">
-              <a:schemeClr val="lt1"/>
-            </a:fontRef>
-          </p:style>
-          <p:txBody>
-            <a:bodyPr rtlCol="0" anchor="ctr"/>
-            <a:lstStyle/>
-            <a:p>
-              <a:pPr algn="ctr"/>
-              <a:endParaRPr lang="en-US"/>
-            </a:p>
-          </p:txBody>
-        </p:sp>
-        <p:sp>
-          <p:nvSpPr>
-            <p:cNvPr id="10" name="Oval 9"/>
-            <p:cNvSpPr/>
-            <p:nvPr/>
-          </p:nvSpPr>
-          <p:spPr>
-            <a:xfrm>
-              <a:off x="3048000" y="2819400"/>
-              <a:ext cx="304800" cy="304800"/>
-            </a:xfrm>
-            <a:prstGeom prst="ellipse">
-              <a:avLst/>
-            </a:prstGeom>
-          </p:spPr>
-          <p:style>
-            <a:lnRef idx="2">
-              <a:schemeClr val="accent6">
-                <a:shade val="50000"/>
-              </a:schemeClr>
-            </a:lnRef>
-            <a:fillRef idx="1">
-              <a:schemeClr val="accent6"/>
-            </a:fillRef>
-            <a:effectRef idx="0">
-              <a:schemeClr val="accent6"/>
-            </a:effectRef>
-            <a:fontRef idx="minor">
-              <a:schemeClr val="lt1"/>
-            </a:fontRef>
-          </p:style>
-          <p:txBody>
-            <a:bodyPr rtlCol="0" anchor="ctr"/>
-            <a:lstStyle/>
-            <a:p>
-              <a:pPr algn="ctr"/>
-              <a:endParaRPr lang="en-US"/>
-            </a:p>
-          </p:txBody>
-        </p:sp>
-        <p:sp>
-          <p:nvSpPr>
-            <p:cNvPr id="11" name="Oval 10"/>
-            <p:cNvSpPr/>
-            <p:nvPr/>
-          </p:nvSpPr>
-          <p:spPr>
-            <a:xfrm>
-              <a:off x="1828800" y="3505200"/>
-              <a:ext cx="304800" cy="304800"/>
-            </a:xfrm>
-            <a:prstGeom prst="ellipse">
-              <a:avLst/>
-            </a:prstGeom>
-          </p:spPr>
-          <p:style>
-            <a:lnRef idx="2">
-              <a:schemeClr val="accent4">
-                <a:shade val="50000"/>
-              </a:schemeClr>
-            </a:lnRef>
-            <a:fillRef idx="1">
-              <a:schemeClr val="accent4"/>
-            </a:fillRef>
-            <a:effectRef idx="0">
-              <a:schemeClr val="accent4"/>
-            </a:effectRef>
-            <a:fontRef idx="minor">
-              <a:schemeClr val="lt1"/>
-            </a:fontRef>
-          </p:style>
-          <p:txBody>
-            <a:bodyPr rtlCol="0" anchor="ctr"/>
-            <a:lstStyle/>
-            <a:p>
-              <a:pPr algn="ctr"/>
-              <a:endParaRPr lang="en-US"/>
-            </a:p>
-          </p:txBody>
-        </p:sp>
-        <p:sp>
-          <p:nvSpPr>
-            <p:cNvPr id="12" name="Oval 11"/>
-            <p:cNvSpPr/>
-            <p:nvPr/>
-          </p:nvSpPr>
-          <p:spPr>
-            <a:xfrm>
-              <a:off x="5562600" y="2667000"/>
-              <a:ext cx="304800" cy="304800"/>
-            </a:xfrm>
-            <a:prstGeom prst="ellipse">
-              <a:avLst/>
-            </a:prstGeom>
-          </p:spPr>
-          <p:style>
-            <a:lnRef idx="2">
-              <a:schemeClr val="accent1">
-                <a:shade val="50000"/>
-              </a:schemeClr>
-            </a:lnRef>
-            <a:fillRef idx="1">
-              <a:schemeClr val="accent1"/>
-            </a:fillRef>
-            <a:effectRef idx="0">
-              <a:schemeClr val="accent1"/>
-            </a:effectRef>
-            <a:fontRef idx="minor">
-              <a:schemeClr val="lt1"/>
-            </a:fontRef>
-          </p:style>
-          <p:txBody>
-            <a:bodyPr rtlCol="0" anchor="ctr"/>
-            <a:lstStyle/>
-            <a:p>
-              <a:pPr algn="ctr"/>
-              <a:endParaRPr lang="en-US"/>
-            </a:p>
-          </p:txBody>
-        </p:sp>
-        <p:sp>
-          <p:nvSpPr>
-            <p:cNvPr id="13" name="Oval 12"/>
-            <p:cNvSpPr/>
-            <p:nvPr/>
-          </p:nvSpPr>
-          <p:spPr>
-            <a:xfrm>
-              <a:off x="6477000" y="3200400"/>
-              <a:ext cx="304800" cy="304800"/>
-            </a:xfrm>
-            <a:prstGeom prst="ellipse">
-              <a:avLst/>
-            </a:prstGeom>
-          </p:spPr>
-          <p:style>
-            <a:lnRef idx="2">
-              <a:schemeClr val="accent1">
-                <a:shade val="50000"/>
-              </a:schemeClr>
-            </a:lnRef>
-            <a:fillRef idx="1">
-              <a:schemeClr val="accent1"/>
-            </a:fillRef>
-            <a:effectRef idx="0">
-              <a:schemeClr val="accent1"/>
-            </a:effectRef>
-            <a:fontRef idx="minor">
-              <a:schemeClr val="lt1"/>
-            </a:fontRef>
-          </p:style>
-          <p:txBody>
-            <a:bodyPr rtlCol="0" anchor="ctr"/>
-            <a:lstStyle/>
-            <a:p>
-              <a:pPr algn="ctr"/>
-              <a:endParaRPr lang="en-US"/>
-            </a:p>
-          </p:txBody>
-        </p:sp>
-        <p:sp>
-          <p:nvSpPr>
-            <p:cNvPr id="14" name="Oval 13"/>
-            <p:cNvSpPr/>
-            <p:nvPr/>
-          </p:nvSpPr>
-          <p:spPr>
-            <a:xfrm>
-              <a:off x="5943600" y="3505200"/>
-              <a:ext cx="304800" cy="304800"/>
-            </a:xfrm>
-            <a:prstGeom prst="ellipse">
-              <a:avLst/>
-            </a:prstGeom>
-          </p:spPr>
-          <p:style>
-            <a:lnRef idx="2">
-              <a:schemeClr val="accent1">
-                <a:shade val="50000"/>
-              </a:schemeClr>
-            </a:lnRef>
-            <a:fillRef idx="1">
-              <a:schemeClr val="accent1"/>
-            </a:fillRef>
-            <a:effectRef idx="0">
-              <a:schemeClr val="accent1"/>
-            </a:effectRef>
-            <a:fontRef idx="minor">
-              <a:schemeClr val="lt1"/>
-            </a:fontRef>
-          </p:style>
-          <p:txBody>
-            <a:bodyPr rtlCol="0" anchor="ctr"/>
-            <a:lstStyle/>
-            <a:p>
-              <a:pPr algn="ctr"/>
-              <a:endParaRPr lang="en-US"/>
-            </a:p>
-          </p:txBody>
-        </p:sp>
-        <p:sp>
-          <p:nvSpPr>
-            <p:cNvPr id="15" name="Oval 14"/>
-            <p:cNvSpPr/>
-            <p:nvPr/>
-          </p:nvSpPr>
-          <p:spPr>
-            <a:xfrm>
-              <a:off x="6781800" y="4114800"/>
-              <a:ext cx="304800" cy="304800"/>
-            </a:xfrm>
-            <a:prstGeom prst="ellipse">
-              <a:avLst/>
-            </a:prstGeom>
-          </p:spPr>
-          <p:style>
-            <a:lnRef idx="2">
-              <a:schemeClr val="accent6">
-                <a:shade val="50000"/>
-              </a:schemeClr>
-            </a:lnRef>
-            <a:fillRef idx="1">
-              <a:schemeClr val="accent6"/>
-            </a:fillRef>
-            <a:effectRef idx="0">
-              <a:schemeClr val="accent6"/>
-            </a:effectRef>
-            <a:fontRef idx="minor">
-              <a:schemeClr val="lt1"/>
-            </a:fontRef>
-          </p:style>
-          <p:txBody>
-            <a:bodyPr rtlCol="0" anchor="ctr"/>
-            <a:lstStyle/>
-            <a:p>
-              <a:pPr algn="ctr"/>
-              <a:endParaRPr lang="en-US"/>
-            </a:p>
-          </p:txBody>
-        </p:sp>
-        <p:sp>
-          <p:nvSpPr>
-            <p:cNvPr id="16" name="Oval 15"/>
-            <p:cNvSpPr/>
-            <p:nvPr/>
-          </p:nvSpPr>
-          <p:spPr>
-            <a:xfrm>
-              <a:off x="5791200" y="4191000"/>
-              <a:ext cx="304800" cy="304800"/>
-            </a:xfrm>
-            <a:prstGeom prst="ellipse">
-              <a:avLst/>
-            </a:prstGeom>
-          </p:spPr>
-          <p:style>
-            <a:lnRef idx="2">
-              <a:schemeClr val="accent1">
-                <a:shade val="50000"/>
-              </a:schemeClr>
-            </a:lnRef>
-            <a:fillRef idx="1">
-              <a:schemeClr val="accent1"/>
-            </a:fillRef>
-            <a:effectRef idx="0">
-              <a:schemeClr val="accent1"/>
-            </a:effectRef>
-            <a:fontRef idx="minor">
-              <a:schemeClr val="lt1"/>
-            </a:fontRef>
-          </p:style>
-          <p:txBody>
-            <a:bodyPr rtlCol="0" anchor="ctr"/>
-            <a:lstStyle/>
-            <a:p>
-              <a:pPr algn="ctr"/>
-              <a:endParaRPr lang="en-US"/>
-            </a:p>
-          </p:txBody>
-        </p:sp>
-        <p:sp>
-          <p:nvSpPr>
-            <p:cNvPr id="17" name="Oval 16"/>
-            <p:cNvSpPr/>
-            <p:nvPr/>
-          </p:nvSpPr>
-          <p:spPr>
-            <a:xfrm>
-              <a:off x="6934200" y="3352800"/>
-              <a:ext cx="304800" cy="304800"/>
-            </a:xfrm>
-            <a:prstGeom prst="ellipse">
-              <a:avLst/>
-            </a:prstGeom>
-          </p:spPr>
-          <p:style>
-            <a:lnRef idx="2">
-              <a:schemeClr val="accent6">
-                <a:shade val="50000"/>
-              </a:schemeClr>
-            </a:lnRef>
-            <a:fillRef idx="1">
-              <a:schemeClr val="accent6"/>
-            </a:fillRef>
-            <a:effectRef idx="0">
-              <a:schemeClr val="accent6"/>
-            </a:effectRef>
-            <a:fontRef idx="minor">
-              <a:schemeClr val="lt1"/>
-            </a:fontRef>
-          </p:style>
-          <p:txBody>
-            <a:bodyPr rtlCol="0" anchor="ctr"/>
-            <a:lstStyle/>
-            <a:p>
-              <a:pPr algn="ctr"/>
-              <a:endParaRPr lang="en-US"/>
-            </a:p>
-          </p:txBody>
-        </p:sp>
-        <p:sp>
-          <p:nvSpPr>
-            <p:cNvPr id="18" name="Oval 17"/>
-            <p:cNvSpPr/>
-            <p:nvPr/>
-          </p:nvSpPr>
-          <p:spPr>
-            <a:xfrm>
-              <a:off x="6553200" y="2743200"/>
-              <a:ext cx="304800" cy="304800"/>
-            </a:xfrm>
-            <a:prstGeom prst="ellipse">
-              <a:avLst/>
-            </a:prstGeom>
-          </p:spPr>
-          <p:style>
-            <a:lnRef idx="2">
-              <a:schemeClr val="accent4">
-                <a:shade val="50000"/>
-              </a:schemeClr>
-            </a:lnRef>
-            <a:fillRef idx="1">
-              <a:schemeClr val="accent4"/>
-            </a:fillRef>
-            <a:effectRef idx="0">
-              <a:schemeClr val="accent4"/>
-            </a:effectRef>
-            <a:fontRef idx="minor">
-              <a:schemeClr val="lt1"/>
-            </a:fontRef>
-          </p:style>
-          <p:txBody>
-            <a:bodyPr rtlCol="0" anchor="ctr"/>
-            <a:lstStyle/>
-            <a:p>
-              <a:pPr algn="ctr"/>
-              <a:endParaRPr lang="en-US"/>
-            </a:p>
-          </p:txBody>
-        </p:sp>
-        <p:sp>
-          <p:nvSpPr>
-            <p:cNvPr id="19" name="Oval 18"/>
-            <p:cNvSpPr/>
-            <p:nvPr/>
-          </p:nvSpPr>
-          <p:spPr>
-            <a:xfrm>
-              <a:off x="5334000" y="3429000"/>
-              <a:ext cx="304800" cy="304800"/>
-            </a:xfrm>
-            <a:prstGeom prst="ellipse">
-              <a:avLst/>
-            </a:prstGeom>
-          </p:spPr>
-          <p:style>
-            <a:lnRef idx="2">
-              <a:schemeClr val="accent1">
-                <a:shade val="50000"/>
-              </a:schemeClr>
-            </a:lnRef>
-            <a:fillRef idx="1">
-              <a:schemeClr val="accent1"/>
-            </a:fillRef>
-            <a:effectRef idx="0">
-              <a:schemeClr val="accent1"/>
-            </a:effectRef>
-            <a:fontRef idx="minor">
-              <a:schemeClr val="lt1"/>
-            </a:fontRef>
-          </p:style>
-          <p:txBody>
-            <a:bodyPr rtlCol="0" anchor="ctr"/>
-            <a:lstStyle/>
-            <a:p>
-              <a:pPr algn="ctr"/>
-              <a:endParaRPr lang="en-US"/>
-            </a:p>
-          </p:txBody>
-        </p:sp>
-        <p:sp>
-          <p:nvSpPr>
-            <p:cNvPr id="21" name="Oval 20"/>
-            <p:cNvSpPr/>
-            <p:nvPr/>
-          </p:nvSpPr>
-          <p:spPr>
-            <a:xfrm>
-              <a:off x="1524000" y="2971800"/>
-              <a:ext cx="304800" cy="304800"/>
-            </a:xfrm>
-            <a:prstGeom prst="ellipse">
-              <a:avLst/>
-            </a:prstGeom>
-          </p:spPr>
-          <p:style>
-            <a:lnRef idx="2">
-              <a:schemeClr val="accent1">
-                <a:shade val="50000"/>
-              </a:schemeClr>
-            </a:lnRef>
-            <a:fillRef idx="1">
-              <a:schemeClr val="accent1"/>
-            </a:fillRef>
-            <a:effectRef idx="0">
-              <a:schemeClr val="accent1"/>
-            </a:effectRef>
-            <a:fontRef idx="minor">
-              <a:schemeClr val="lt1"/>
-            </a:fontRef>
-          </p:style>
-          <p:txBody>
-            <a:bodyPr rtlCol="0" anchor="ctr"/>
-            <a:lstStyle/>
-            <a:p>
-              <a:pPr algn="ctr"/>
-              <a:endParaRPr lang="en-US"/>
-            </a:p>
-          </p:txBody>
-        </p:sp>
-        <p:sp>
-          <p:nvSpPr>
-            <p:cNvPr id="22" name="Oval 21"/>
-            <p:cNvSpPr/>
-            <p:nvPr/>
-          </p:nvSpPr>
-          <p:spPr>
-            <a:xfrm>
-              <a:off x="5867400" y="3048000"/>
-              <a:ext cx="304800" cy="304800"/>
-            </a:xfrm>
-            <a:prstGeom prst="ellipse">
-              <a:avLst/>
-            </a:prstGeom>
-          </p:spPr>
-          <p:style>
-            <a:lnRef idx="2">
-              <a:schemeClr val="accent1">
-                <a:shade val="50000"/>
-              </a:schemeClr>
-            </a:lnRef>
-            <a:fillRef idx="1">
-              <a:schemeClr val="accent1"/>
-            </a:fillRef>
-            <a:effectRef idx="0">
-              <a:schemeClr val="accent1"/>
-            </a:effectRef>
-            <a:fontRef idx="minor">
-              <a:schemeClr val="lt1"/>
-            </a:fontRef>
-          </p:style>
-          <p:txBody>
-            <a:bodyPr rtlCol="0" anchor="ctr"/>
-            <a:lstStyle/>
-            <a:p>
-              <a:pPr algn="ctr"/>
-              <a:endParaRPr lang="en-US"/>
-            </a:p>
-          </p:txBody>
-        </p:sp>
-        <p:sp>
-          <p:nvSpPr>
-            <p:cNvPr id="23" name="Oval 22"/>
-            <p:cNvSpPr/>
-            <p:nvPr/>
-          </p:nvSpPr>
-          <p:spPr>
-            <a:xfrm>
-              <a:off x="2133600" y="3657600"/>
-              <a:ext cx="304800" cy="304800"/>
-            </a:xfrm>
-            <a:prstGeom prst="ellipse">
-              <a:avLst/>
-            </a:prstGeom>
-          </p:spPr>
-          <p:style>
-            <a:lnRef idx="2">
-              <a:schemeClr val="accent4">
-                <a:shade val="50000"/>
-              </a:schemeClr>
-            </a:lnRef>
-            <a:fillRef idx="1">
-              <a:schemeClr val="accent4"/>
-            </a:fillRef>
-            <a:effectRef idx="0">
-              <a:schemeClr val="accent4"/>
-            </a:effectRef>
-            <a:fontRef idx="minor">
-              <a:schemeClr val="lt1"/>
-            </a:fontRef>
-          </p:style>
-          <p:txBody>
-            <a:bodyPr rtlCol="0" anchor="ctr"/>
-            <a:lstStyle/>
-            <a:p>
-              <a:pPr algn="ctr"/>
-              <a:endParaRPr lang="en-US"/>
-            </a:p>
-          </p:txBody>
-        </p:sp>
-        <p:sp>
-          <p:nvSpPr>
-            <p:cNvPr id="24" name="Oval 23"/>
-            <p:cNvSpPr/>
-            <p:nvPr/>
-          </p:nvSpPr>
-          <p:spPr>
-            <a:xfrm>
-              <a:off x="6172200" y="2819400"/>
-              <a:ext cx="304800" cy="304800"/>
-            </a:xfrm>
-            <a:prstGeom prst="ellipse">
-              <a:avLst/>
-            </a:prstGeom>
-          </p:spPr>
-          <p:style>
-            <a:lnRef idx="2">
-              <a:schemeClr val="accent1">
-                <a:shade val="50000"/>
-              </a:schemeClr>
-            </a:lnRef>
-            <a:fillRef idx="1">
-              <a:schemeClr val="accent1"/>
-            </a:fillRef>
-            <a:effectRef idx="0">
-              <a:schemeClr val="accent1"/>
-            </a:effectRef>
-            <a:fontRef idx="minor">
-              <a:schemeClr val="lt1"/>
-            </a:fontRef>
-          </p:style>
-          <p:txBody>
-            <a:bodyPr rtlCol="0" anchor="ctr"/>
-            <a:lstStyle/>
-            <a:p>
-              <a:pPr algn="ctr"/>
-              <a:endParaRPr lang="en-US"/>
-            </a:p>
-          </p:txBody>
-        </p:sp>
-      </p:grpSp>
-      <p:sp>
-        <p:nvSpPr>
-          <p:cNvPr id="25" name="TextBox 24"/>
-          <p:cNvSpPr txBox="1"/>
-          <p:nvPr/>
-        </p:nvSpPr>
-        <p:spPr>
-          <a:xfrm>
-            <a:off x="6324600" y="4866382"/>
-            <a:ext cx="1066800" cy="1077218"/>
-          </a:xfrm>
-          <a:prstGeom prst="rect">
-            <a:avLst/>
-          </a:prstGeom>
-          <a:noFill/>
-        </p:spPr>
-        <p:txBody>
-          <a:bodyPr wrap="square" rtlCol="0">
-            <a:spAutoFit/>
-          </a:bodyPr>
-          <a:lstStyle/>
-          <a:p>
-            <a:pPr algn="ctr"/>
-            <a:r>
-              <a:rPr lang="en-AU" sz="3200" dirty="0"/>
-              <a:t>=</a:t>
-            </a:r>
-          </a:p>
-          <a:p>
-            <a:pPr algn="ctr"/>
-            <a:r>
-              <a:rPr lang="en-AU" sz="3200" dirty="0"/>
-              <a:t>&lt;</a:t>
-            </a:r>
-          </a:p>
-        </p:txBody>
-      </p:sp>
-      <p:sp>
-        <p:nvSpPr>
-          <p:cNvPr id="26" name="TextBox 25"/>
-          <p:cNvSpPr txBox="1"/>
-          <p:nvPr/>
-        </p:nvSpPr>
-        <p:spPr>
-          <a:xfrm>
-            <a:off x="1714500" y="4866382"/>
-            <a:ext cx="1143000" cy="1077218"/>
-          </a:xfrm>
-          <a:prstGeom prst="rect">
-            <a:avLst/>
-          </a:prstGeom>
-          <a:noFill/>
-        </p:spPr>
-        <p:txBody>
-          <a:bodyPr wrap="square" rtlCol="0">
-            <a:spAutoFit/>
-          </a:bodyPr>
-          <a:lstStyle/>
-          <a:p>
-            <a:pPr algn="ctr"/>
-            <a:r>
-              <a:rPr lang="en-AU" sz="3200" dirty="0"/>
-              <a:t>=</a:t>
-            </a:r>
-          </a:p>
-          <a:p>
-            <a:pPr algn="ctr"/>
-            <a:r>
-              <a:rPr lang="en-AU" sz="3200" dirty="0"/>
-              <a:t>&gt;</a:t>
-            </a:r>
-          </a:p>
-        </p:txBody>
-      </p:sp>
-    </p:spTree>
-    <p:extLst>
-      <p:ext uri="{BB962C8B-B14F-4D97-AF65-F5344CB8AC3E}">
-        <p14:creationId xmlns:p14="http://schemas.microsoft.com/office/powerpoint/2010/main" val="2715080073"/>
-      </p:ext>
-    </p:extLst>
-  </p:cSld>
-  <p:clrMapOvr>
-    <a:masterClrMapping/>
-  </p:clrMapOvr>
-</p:sld>
-</file>
-
-<file path=ppt/slides/slide7.xml><?xml version="1.0" encoding="utf-8"?>
-<p:sld xmlns:a="http://schemas.openxmlformats.org/drawingml/2006/main" xmlns:r="http://schemas.openxmlformats.org/officeDocument/2006/relationships" xmlns:p="http://schemas.openxmlformats.org/presentationml/2006/main">
-  <p:cSld>
-    <p:spTree>
-      <p:nvGrpSpPr>
-        <p:cNvPr id="1" name=""/>
-        <p:cNvGrpSpPr/>
-        <p:nvPr/>
-      </p:nvGrpSpPr>
-      <p:grpSpPr>
-        <a:xfrm>
-          <a:off x="0" y="0"/>
-          <a:ext cx="0" cy="0"/>
-          <a:chOff x="0" y="0"/>
-          <a:chExt cx="0" cy="0"/>
-        </a:xfrm>
-      </p:grpSpPr>
-      <p:sp>
-        <p:nvSpPr>
-          <p:cNvPr id="2" name="Title 1"/>
-          <p:cNvSpPr>
-            <a:spLocks noGrp="1"/>
-          </p:cNvSpPr>
-          <p:nvPr>
-            <p:ph type="title"/>
-          </p:nvPr>
-        </p:nvSpPr>
-        <p:spPr/>
-        <p:txBody>
-          <a:bodyPr>
-            <a:normAutofit/>
-          </a:bodyPr>
-          <a:lstStyle/>
-          <a:p>
-            <a:r>
-              <a:rPr lang="en-AU" dirty="0"/>
-              <a:t>Alpha diversity indices</a:t>
-            </a:r>
-          </a:p>
-        </p:txBody>
-      </p:sp>
-      <p:sp>
-        <p:nvSpPr>
-          <p:cNvPr id="3" name="Content Placeholder 2"/>
-          <p:cNvSpPr>
-            <a:spLocks noGrp="1"/>
-          </p:cNvSpPr>
-          <p:nvPr>
-            <p:ph idx="1"/>
-          </p:nvPr>
-        </p:nvSpPr>
-        <p:spPr/>
-        <p:txBody>
-          <a:bodyPr>
-            <a:normAutofit/>
-          </a:bodyPr>
-          <a:lstStyle/>
-          <a:p>
-            <a:pPr>
-              <a:buClr>
-                <a:schemeClr val="accent3"/>
-              </a:buClr>
-              <a:buSzPct val="80000"/>
-            </a:pPr>
-            <a:r>
-              <a:rPr lang="en-AU" sz="2800" dirty="0"/>
-              <a:t>A metric that considers one or more diversity components</a:t>
-            </a:r>
-          </a:p>
-          <a:p>
-            <a:pPr marL="927521" lvl="2" indent="-342900">
-              <a:buClr>
-                <a:schemeClr val="accent3"/>
-              </a:buClr>
-              <a:buSzPct val="80000"/>
-            </a:pPr>
-            <a:r>
-              <a:rPr lang="en-AU" sz="2800" dirty="0"/>
-              <a:t>Shannon (H’) </a:t>
-            </a:r>
-          </a:p>
-          <a:p>
-            <a:pPr marL="927521" lvl="2" indent="-342900">
-              <a:buClr>
-                <a:schemeClr val="accent3"/>
-              </a:buClr>
-              <a:buSzPct val="80000"/>
-            </a:pPr>
-            <a:r>
-              <a:rPr lang="en-AU" sz="2800" dirty="0"/>
-              <a:t>Simpson (D)</a:t>
-            </a:r>
-          </a:p>
-          <a:p>
-            <a:pPr marL="927521" lvl="2" indent="-342900">
-              <a:buClr>
-                <a:schemeClr val="accent3"/>
-              </a:buClr>
-              <a:buSzPct val="80000"/>
-            </a:pPr>
-            <a:r>
-              <a:rPr lang="en-AU" sz="2800" dirty="0"/>
-              <a:t>Chao1</a:t>
-            </a:r>
-          </a:p>
-          <a:p>
-            <a:endParaRPr lang="en-AU" sz="2800" dirty="0"/>
-          </a:p>
-        </p:txBody>
-      </p:sp>
-    </p:spTree>
-    <p:extLst>
-      <p:ext uri="{BB962C8B-B14F-4D97-AF65-F5344CB8AC3E}">
-        <p14:creationId xmlns:p14="http://schemas.microsoft.com/office/powerpoint/2010/main" val="2723927116"/>
-      </p:ext>
-    </p:extLst>
-  </p:cSld>
-  <p:clrMapOvr>
-    <a:masterClrMapping/>
-  </p:clrMapOvr>
-</p:sld>
-</file>
-
-<file path=ppt/slides/slide8.xml><?xml version="1.0" encoding="utf-8"?>
-<p:sld xmlns:a="http://schemas.openxmlformats.org/drawingml/2006/main" xmlns:r="http://schemas.openxmlformats.org/officeDocument/2006/relationships" xmlns:p="http://schemas.openxmlformats.org/presentationml/2006/main">
-  <p:cSld>
-    <p:spTree>
-      <p:nvGrpSpPr>
-        <p:cNvPr id="1" name=""/>
-        <p:cNvGrpSpPr/>
-        <p:nvPr/>
-      </p:nvGrpSpPr>
-      <p:grpSpPr>
-        <a:xfrm>
-          <a:off x="0" y="0"/>
-          <a:ext cx="0" cy="0"/>
-          <a:chOff x="0" y="0"/>
-          <a:chExt cx="0" cy="0"/>
-        </a:xfrm>
-      </p:grpSpPr>
-      <p:sp>
-        <p:nvSpPr>
-          <p:cNvPr id="2" name="Title 1"/>
-          <p:cNvSpPr>
-            <a:spLocks noGrp="1"/>
-          </p:cNvSpPr>
-          <p:nvPr>
-            <p:ph type="title"/>
-          </p:nvPr>
-        </p:nvSpPr>
-        <p:spPr/>
-        <p:txBody>
-          <a:bodyPr>
-            <a:normAutofit/>
-          </a:bodyPr>
-          <a:lstStyle/>
-          <a:p>
-            <a:r>
-              <a:rPr lang="en-AU" dirty="0"/>
-              <a:t>Shannon diversity index (H’)</a:t>
-            </a:r>
-          </a:p>
-        </p:txBody>
-      </p:sp>
-      <p:pic>
-        <p:nvPicPr>
-          <p:cNvPr id="5" name="Picture 5"/>
-          <p:cNvPicPr>
-            <a:picLocks noChangeAspect="1" noChangeArrowheads="1"/>
-          </p:cNvPicPr>
-          <p:nvPr/>
-        </p:nvPicPr>
-        <p:blipFill>
-          <a:blip r:embed="rId2" cstate="print"/>
-          <a:srcRect/>
-          <a:stretch>
-            <a:fillRect/>
-          </a:stretch>
-        </p:blipFill>
-        <p:spPr bwMode="auto">
-          <a:xfrm>
-            <a:off x="2108200" y="3027363"/>
-            <a:ext cx="4918075" cy="1990725"/>
-          </a:xfrm>
-          <a:prstGeom prst="rect">
-            <a:avLst/>
-          </a:prstGeom>
-          <a:noFill/>
-          <a:ln w="25400">
-            <a:noFill/>
-            <a:miter lim="800000"/>
-            <a:headEnd/>
-            <a:tailEnd/>
-          </a:ln>
-        </p:spPr>
-      </p:pic>
-      <p:sp>
-        <p:nvSpPr>
-          <p:cNvPr id="12" name="TextBox 11"/>
-          <p:cNvSpPr txBox="1"/>
-          <p:nvPr/>
-        </p:nvSpPr>
-        <p:spPr>
-          <a:xfrm>
-            <a:off x="1757363" y="2057400"/>
-            <a:ext cx="2814637" cy="830997"/>
-          </a:xfrm>
-          <a:prstGeom prst="rect">
-            <a:avLst/>
-          </a:prstGeom>
-          <a:noFill/>
-        </p:spPr>
-        <p:txBody>
-          <a:bodyPr wrap="square" rtlCol="0">
-            <a:spAutoFit/>
-          </a:bodyPr>
-          <a:lstStyle/>
-          <a:p>
-            <a:r>
-              <a:rPr lang="en-US" sz="2400" dirty="0">
-                <a:latin typeface="Helvetica Neue" panose="02000503000000020004" pitchFamily="2"/>
-                <a:ea typeface="Optima" pitchFamily="1" charset="0"/>
-                <a:cs typeface="Optima" pitchFamily="1" charset="0"/>
-              </a:rPr>
-              <a:t>Number of species</a:t>
-            </a:r>
-          </a:p>
-          <a:p>
-            <a:endParaRPr lang="en-US" sz="2400" dirty="0">
-              <a:latin typeface="Helvetica Neue" panose="02000503000000020004" pitchFamily="2"/>
-            </a:endParaRPr>
-          </a:p>
-        </p:txBody>
-      </p:sp>
-      <p:sp>
-        <p:nvSpPr>
-          <p:cNvPr id="13" name="TextBox 12"/>
-          <p:cNvSpPr txBox="1"/>
-          <p:nvPr/>
-        </p:nvSpPr>
-        <p:spPr>
-          <a:xfrm>
-            <a:off x="4953000" y="1752600"/>
-            <a:ext cx="3886200" cy="707886"/>
-          </a:xfrm>
-          <a:prstGeom prst="rect">
-            <a:avLst/>
-          </a:prstGeom>
-          <a:noFill/>
-        </p:spPr>
-        <p:txBody>
-          <a:bodyPr wrap="square" rtlCol="0">
-            <a:spAutoFit/>
-          </a:bodyPr>
-          <a:lstStyle/>
-          <a:p>
-            <a:pPr defTabSz="642938">
-              <a:tabLst>
-                <a:tab pos="588963" algn="l"/>
-              </a:tabLst>
-            </a:pPr>
-            <a:r>
-              <a:rPr lang="en-AU" sz="2000" dirty="0">
-                <a:latin typeface="Helvetica Neue" panose="02000503000000020004" pitchFamily="2"/>
-                <a:ea typeface="Optima" pitchFamily="1" charset="0"/>
-                <a:cs typeface="Optima" pitchFamily="1" charset="0"/>
-              </a:rPr>
-              <a:t>Proportion of the community contributed by species</a:t>
-            </a:r>
-            <a:r>
-              <a:rPr lang="en-AU" sz="2000" i="1" dirty="0">
-                <a:latin typeface="Helvetica Neue" panose="02000503000000020004" pitchFamily="2"/>
-                <a:ea typeface="Optima" pitchFamily="1" charset="0"/>
-                <a:cs typeface="Optima" pitchFamily="1" charset="0"/>
-              </a:rPr>
-              <a:t> </a:t>
-            </a:r>
-            <a:r>
-              <a:rPr lang="en-AU" sz="2000" i="1" dirty="0" err="1">
-                <a:latin typeface="Helvetica Neue" panose="02000503000000020004" pitchFamily="2"/>
-                <a:ea typeface="Optima" pitchFamily="1" charset="0"/>
-                <a:cs typeface="Optima" pitchFamily="1" charset="0"/>
-              </a:rPr>
-              <a:t>i</a:t>
-            </a:r>
-            <a:endParaRPr lang="en-AU" sz="2000" i="1" dirty="0">
-              <a:latin typeface="Helvetica Neue" panose="02000503000000020004" pitchFamily="2"/>
-              <a:ea typeface="Optima" pitchFamily="1" charset="0"/>
-              <a:cs typeface="Optima" pitchFamily="1" charset="0"/>
-            </a:endParaRPr>
-          </a:p>
-        </p:txBody>
-      </p:sp>
-      <p:cxnSp>
-        <p:nvCxnSpPr>
-          <p:cNvPr id="10" name="Straight Arrow Connector 9"/>
-          <p:cNvCxnSpPr/>
-          <p:nvPr/>
-        </p:nvCxnSpPr>
-        <p:spPr>
-          <a:xfrm>
-            <a:off x="6477000" y="2514600"/>
-            <a:ext cx="0" cy="1143000"/>
-          </a:xfrm>
-          <a:prstGeom prst="straightConnector1">
-            <a:avLst/>
-          </a:prstGeom>
-          <a:ln w="38100">
-            <a:solidFill>
-              <a:schemeClr val="bg1">
-                <a:lumMod val="50000"/>
-              </a:schemeClr>
-            </a:solidFill>
-            <a:headEnd type="none" w="med" len="med"/>
-            <a:tailEnd type="triangle" w="med" len="med"/>
-          </a:ln>
-        </p:spPr>
-        <p:style>
-          <a:lnRef idx="1">
-            <a:schemeClr val="accent1"/>
-          </a:lnRef>
-          <a:fillRef idx="0">
-            <a:schemeClr val="accent1"/>
-          </a:fillRef>
-          <a:effectRef idx="0">
-            <a:schemeClr val="accent1"/>
-          </a:effectRef>
-          <a:fontRef idx="minor">
-            <a:schemeClr val="tx1"/>
-          </a:fontRef>
-        </p:style>
-      </p:cxnSp>
-      <p:cxnSp>
-        <p:nvCxnSpPr>
-          <p:cNvPr id="11" name="Straight Arrow Connector 10"/>
-          <p:cNvCxnSpPr/>
-          <p:nvPr/>
-        </p:nvCxnSpPr>
-        <p:spPr>
-          <a:xfrm>
-            <a:off x="4369285" y="2514600"/>
-            <a:ext cx="0" cy="512763"/>
-          </a:xfrm>
-          <a:prstGeom prst="straightConnector1">
-            <a:avLst/>
-          </a:prstGeom>
-          <a:ln w="38100">
-            <a:solidFill>
-              <a:schemeClr val="bg1">
-                <a:lumMod val="50000"/>
-              </a:schemeClr>
-            </a:solidFill>
-            <a:headEnd type="none" w="med" len="med"/>
-            <a:tailEnd type="triangle" w="med" len="med"/>
-          </a:ln>
-        </p:spPr>
-        <p:style>
-          <a:lnRef idx="1">
-            <a:schemeClr val="accent1"/>
-          </a:lnRef>
-          <a:fillRef idx="0">
-            <a:schemeClr val="accent1"/>
-          </a:fillRef>
-          <a:effectRef idx="0">
-            <a:schemeClr val="accent1"/>
-          </a:effectRef>
-          <a:fontRef idx="minor">
-            <a:schemeClr val="tx1"/>
-          </a:fontRef>
-        </p:style>
-      </p:cxnSp>
-    </p:spTree>
-    <p:extLst>
-      <p:ext uri="{BB962C8B-B14F-4D97-AF65-F5344CB8AC3E}">
-        <p14:creationId xmlns:p14="http://schemas.microsoft.com/office/powerpoint/2010/main" val="55160596"/>
-      </p:ext>
-    </p:extLst>
-  </p:cSld>
-  <p:clrMapOvr>
-    <a:masterClrMapping/>
-  </p:clrMapOvr>
-</p:sld>
-</file>
-
-<file path=ppt/slides/slide9.xml><?xml version="1.0" encoding="utf-8"?>
-<p:sld xmlns:a="http://schemas.openxmlformats.org/drawingml/2006/main" xmlns:r="http://schemas.openxmlformats.org/officeDocument/2006/relationships" xmlns:p="http://schemas.openxmlformats.org/presentationml/2006/main">
-  <p:cSld>
-    <p:spTree>
-      <p:nvGrpSpPr>
-        <p:cNvPr id="1" name=""/>
-        <p:cNvGrpSpPr/>
-        <p:nvPr/>
-      </p:nvGrpSpPr>
-      <p:grpSpPr>
-        <a:xfrm>
-          <a:off x="0" y="0"/>
-          <a:ext cx="0" cy="0"/>
-          <a:chOff x="0" y="0"/>
-          <a:chExt cx="0" cy="0"/>
-        </a:xfrm>
-      </p:grpSpPr>
-      <p:sp>
-        <p:nvSpPr>
-          <p:cNvPr id="5" name="Title 1"/>
-          <p:cNvSpPr>
-            <a:spLocks noGrp="1"/>
-          </p:cNvSpPr>
-          <p:nvPr>
-            <p:ph type="title"/>
-          </p:nvPr>
-        </p:nvSpPr>
-        <p:spPr/>
-        <p:txBody>
-          <a:bodyPr>
-            <a:normAutofit/>
-          </a:bodyPr>
-          <a:lstStyle/>
-          <a:p>
-            <a:r>
-              <a:rPr lang="en-AU" dirty="0"/>
-              <a:t>Shannon’s index limits</a:t>
-            </a:r>
-          </a:p>
-        </p:txBody>
-      </p:sp>
-      <p:sp>
-        <p:nvSpPr>
-          <p:cNvPr id="12" name="Content Placeholder 6"/>
-          <p:cNvSpPr>
-            <a:spLocks noGrp="1"/>
-          </p:cNvSpPr>
-          <p:nvPr>
-            <p:ph sz="quarter" idx="4294967295"/>
-          </p:nvPr>
-        </p:nvSpPr>
-        <p:spPr>
-          <a:xfrm>
-            <a:off x="914400" y="1295400"/>
-            <a:ext cx="7315200" cy="4876800"/>
-          </a:xfrm>
-        </p:spPr>
-        <p:txBody>
-          <a:bodyPr>
-            <a:normAutofit/>
-          </a:bodyPr>
-          <a:lstStyle/>
-          <a:p>
-            <a:r>
-              <a:rPr lang="en-AU" dirty="0"/>
-              <a:t>Range : 0 - ∞</a:t>
-            </a:r>
-          </a:p>
-          <a:p>
-            <a:r>
-              <a:rPr lang="en-AU" dirty="0"/>
-              <a:t>Heavily influenced by </a:t>
-            </a:r>
-            <a:r>
-              <a:rPr lang="en-AU" b="1" dirty="0"/>
-              <a:t>richness</a:t>
-            </a:r>
-          </a:p>
-        </p:txBody>
-      </p:sp>
-      <p:graphicFrame>
-        <p:nvGraphicFramePr>
-          <p:cNvPr id="14" name="Content Placeholder 8"/>
-          <p:cNvGraphicFramePr>
-            <a:graphicFrameLocks/>
-          </p:cNvGraphicFramePr>
-          <p:nvPr>
-            <p:extLst>
-              <p:ext uri="{D42A27DB-BD31-4B8C-83A1-F6EECF244321}">
-                <p14:modId xmlns:p14="http://schemas.microsoft.com/office/powerpoint/2010/main" val="3402451410"/>
-              </p:ext>
-            </p:extLst>
-          </p:nvPr>
-        </p:nvGraphicFramePr>
-        <p:xfrm>
-          <a:off x="990600" y="2971800"/>
-          <a:ext cx="6705600" cy="3382963"/>
-        </p:xfrm>
-        <a:graphic>
-          <a:graphicData uri="http://schemas.openxmlformats.org/drawingml/2006/chart">
-            <c:chart xmlns:c="http://schemas.openxmlformats.org/drawingml/2006/chart" xmlns:r="http://schemas.openxmlformats.org/officeDocument/2006/relationships" r:id="rId2"/>
-          </a:graphicData>
-        </a:graphic>
-      </p:graphicFrame>
-    </p:spTree>
-    <p:extLst>
-      <p:ext uri="{BB962C8B-B14F-4D97-AF65-F5344CB8AC3E}">
-        <p14:creationId xmlns:p14="http://schemas.microsoft.com/office/powerpoint/2010/main" val="1715197109"/>
       </p:ext>
     </p:extLst>
   </p:cSld>

--- a/W1_16S_analysis.pptx
+++ b/W1_16S_analysis.pptx
@@ -5,7 +5,7 @@
     <p:sldMasterId id="2147483726" r:id="rId1"/>
   </p:sldMasterIdLst>
   <p:notesMasterIdLst>
-    <p:notesMasterId r:id="rId34"/>
+    <p:notesMasterId r:id="rId35"/>
   </p:notesMasterIdLst>
   <p:sldIdLst>
     <p:sldId id="256" r:id="rId2"/>
@@ -40,6 +40,7 @@
     <p:sldId id="360" r:id="rId31"/>
     <p:sldId id="361" r:id="rId32"/>
     <p:sldId id="380" r:id="rId33"/>
+    <p:sldId id="387" r:id="rId34"/>
   </p:sldIdLst>
   <p:sldSz cx="9144000" cy="6858000" type="screen4x3"/>
   <p:notesSz cx="6858000" cy="9144000"/>
@@ -175,6 +176,7 @@
             <p14:sldId id="360"/>
             <p14:sldId id="361"/>
             <p14:sldId id="380"/>
+            <p14:sldId id="387"/>
           </p14:sldIdLst>
         </p14:section>
       </p14:sectionLst>
@@ -4767,7 +4769,7 @@
             <a:fld id="{4FF64A0F-39A5-4AD4-AFFF-35407015BDC3}" type="datetimeFigureOut">
               <a:rPr lang="en-US" smtClean="0"/>
               <a:pPr/>
-              <a:t>3/14/2018</a:t>
+              <a:t>3/15/2018</a:t>
             </a:fld>
             <a:endParaRPr lang="en-US"/>
           </a:p>
@@ -53225,6 +53227,86 @@
 </p:sld>
 </file>
 
+<file path=ppt/slides/slide33.xml><?xml version="1.0" encoding="utf-8"?>
+<p:sld xmlns:a="http://schemas.openxmlformats.org/drawingml/2006/main" xmlns:r="http://schemas.openxmlformats.org/officeDocument/2006/relationships" xmlns:p="http://schemas.openxmlformats.org/presentationml/2006/main">
+  <p:cSld>
+    <p:spTree>
+      <p:nvGrpSpPr>
+        <p:cNvPr id="1" name=""/>
+        <p:cNvGrpSpPr/>
+        <p:nvPr/>
+      </p:nvGrpSpPr>
+      <p:grpSpPr>
+        <a:xfrm>
+          <a:off x="0" y="0"/>
+          <a:ext cx="0" cy="0"/>
+          <a:chOff x="0" y="0"/>
+          <a:chExt cx="0" cy="0"/>
+        </a:xfrm>
+      </p:grpSpPr>
+      <p:sp>
+        <p:nvSpPr>
+          <p:cNvPr id="2" name="Title 1">
+            <a:extLst>
+              <a:ext uri="{FF2B5EF4-FFF2-40B4-BE49-F238E27FC236}">
+                <a16:creationId xmlns:a16="http://schemas.microsoft.com/office/drawing/2014/main" id="{573C21BF-9992-4CF0-917C-BF573B01C919}"/>
+              </a:ext>
+            </a:extLst>
+          </p:cNvPr>
+          <p:cNvSpPr>
+            <a:spLocks noGrp="1"/>
+          </p:cNvSpPr>
+          <p:nvPr>
+            <p:ph type="title"/>
+          </p:nvPr>
+        </p:nvSpPr>
+        <p:spPr/>
+        <p:txBody>
+          <a:bodyPr/>
+          <a:lstStyle/>
+          <a:p>
+            <a:endParaRPr lang="es-PE"/>
+          </a:p>
+        </p:txBody>
+      </p:sp>
+      <p:sp>
+        <p:nvSpPr>
+          <p:cNvPr id="3" name="Content Placeholder 2">
+            <a:extLst>
+              <a:ext uri="{FF2B5EF4-FFF2-40B4-BE49-F238E27FC236}">
+                <a16:creationId xmlns:a16="http://schemas.microsoft.com/office/drawing/2014/main" id="{7EE3DF63-41CA-4EE9-883D-4459A171174F}"/>
+              </a:ext>
+            </a:extLst>
+          </p:cNvPr>
+          <p:cNvSpPr>
+            <a:spLocks noGrp="1"/>
+          </p:cNvSpPr>
+          <p:nvPr>
+            <p:ph idx="1"/>
+          </p:nvPr>
+        </p:nvSpPr>
+        <p:spPr/>
+        <p:txBody>
+          <a:bodyPr/>
+          <a:lstStyle/>
+          <a:p>
+            <a:endParaRPr lang="es-PE"/>
+          </a:p>
+        </p:txBody>
+      </p:sp>
+    </p:spTree>
+    <p:extLst>
+      <p:ext uri="{BB962C8B-B14F-4D97-AF65-F5344CB8AC3E}">
+        <p14:creationId xmlns:p14="http://schemas.microsoft.com/office/powerpoint/2010/main" val="3393621690"/>
+      </p:ext>
+    </p:extLst>
+  </p:cSld>
+  <p:clrMapOvr>
+    <a:masterClrMapping/>
+  </p:clrMapOvr>
+</p:sld>
+</file>
+
 <file path=ppt/slides/slide4.xml><?xml version="1.0" encoding="utf-8"?>
 <p:sld xmlns:a="http://schemas.openxmlformats.org/drawingml/2006/main" xmlns:r="http://schemas.openxmlformats.org/officeDocument/2006/relationships" xmlns:p="http://schemas.openxmlformats.org/presentationml/2006/main">
   <p:cSld>
